--- a/LAB05/Lab5_Unity_Collision.pptx
+++ b/LAB05/Lab5_Unity_Collision.pptx
@@ -5,7 +5,7 @@
     <p:sldMasterId id="2147483697" r:id="rId1"/>
   </p:sldMasterIdLst>
   <p:notesMasterIdLst>
-    <p:notesMasterId r:id="rId19"/>
+    <p:notesMasterId r:id="rId24"/>
   </p:notesMasterIdLst>
   <p:sldIdLst>
     <p:sldId id="256" r:id="rId2"/>
@@ -17,14 +17,19 @@
     <p:sldId id="291" r:id="rId8"/>
     <p:sldId id="301" r:id="rId9"/>
     <p:sldId id="303" r:id="rId10"/>
-    <p:sldId id="292" r:id="rId11"/>
-    <p:sldId id="293" r:id="rId12"/>
-    <p:sldId id="294" r:id="rId13"/>
-    <p:sldId id="295" r:id="rId14"/>
-    <p:sldId id="296" r:id="rId15"/>
-    <p:sldId id="298" r:id="rId16"/>
-    <p:sldId id="297" r:id="rId17"/>
-    <p:sldId id="302" r:id="rId18"/>
+    <p:sldId id="304" r:id="rId11"/>
+    <p:sldId id="305" r:id="rId12"/>
+    <p:sldId id="306" r:id="rId13"/>
+    <p:sldId id="307" r:id="rId14"/>
+    <p:sldId id="308" r:id="rId15"/>
+    <p:sldId id="292" r:id="rId16"/>
+    <p:sldId id="293" r:id="rId17"/>
+    <p:sldId id="294" r:id="rId18"/>
+    <p:sldId id="295" r:id="rId19"/>
+    <p:sldId id="296" r:id="rId20"/>
+    <p:sldId id="298" r:id="rId21"/>
+    <p:sldId id="297" r:id="rId22"/>
+    <p:sldId id="302" r:id="rId23"/>
   </p:sldIdLst>
   <p:sldSz cx="9144000" cy="6858000" type="screen4x3"/>
   <p:notesSz cx="6858000" cy="9144000"/>
@@ -10129,6 +10134,1279 @@
         </p:nvSpPr>
         <p:spPr/>
         <p:txBody>
+          <a:bodyPr>
+            <a:normAutofit fontScale="90000"/>
+          </a:bodyPr>
+          <a:lstStyle/>
+          <a:p>
+            <a:r>
+              <a:rPr lang="en-US" dirty="0" smtClean="0"/>
+              <a:t>Checking for a </a:t>
+            </a:r>
+            <a:br>
+              <a:rPr lang="en-US" dirty="0" smtClean="0"/>
+            </a:br>
+            <a:r>
+              <a:rPr lang="en-US" dirty="0" smtClean="0"/>
+              <a:t>Component or Object</a:t>
+            </a:r>
+            <a:br>
+              <a:rPr lang="en-US" dirty="0" smtClean="0"/>
+            </a:br>
+            <a:endParaRPr lang="en-US" dirty="0"/>
+          </a:p>
+        </p:txBody>
+      </p:sp>
+      <p:sp>
+        <p:nvSpPr>
+          <p:cNvPr id="3" name="Text Placeholder 2"/>
+          <p:cNvSpPr>
+            <a:spLocks noGrp="1"/>
+          </p:cNvSpPr>
+          <p:nvPr>
+            <p:ph type="body" idx="1"/>
+          </p:nvPr>
+        </p:nvSpPr>
+        <p:spPr/>
+        <p:txBody>
+          <a:bodyPr>
+            <a:noAutofit/>
+          </a:bodyPr>
+          <a:lstStyle/>
+          <a:p>
+            <a:pPr marL="203200" indent="0">
+              <a:buNone/>
+            </a:pPr>
+            <a:r>
+              <a:rPr lang="en-US" sz="2000" dirty="0" smtClean="0">
+                <a:latin typeface="+mn-lt"/>
+                <a:cs typeface="Courier New" panose="02070309020205020404" pitchFamily="49" charset="0"/>
+              </a:rPr>
+              <a:t>Sometimes it’s important to check that we have a valid  component or object. This is important after getting a component from a game object. </a:t>
+            </a:r>
+          </a:p>
+          <a:p>
+            <a:pPr marL="203200" indent="0">
+              <a:buNone/>
+            </a:pPr>
+            <a:endParaRPr lang="en-US" sz="2000" dirty="0">
+              <a:latin typeface="+mn-lt"/>
+              <a:cs typeface="Courier New" panose="02070309020205020404" pitchFamily="49" charset="0"/>
+            </a:endParaRPr>
+          </a:p>
+          <a:p>
+            <a:pPr marL="203200" indent="0">
+              <a:buNone/>
+            </a:pPr>
+            <a:r>
+              <a:rPr lang="en-US" sz="2000" dirty="0" smtClean="0">
+                <a:latin typeface="+mn-lt"/>
+                <a:cs typeface="Courier New" panose="02070309020205020404" pitchFamily="49" charset="0"/>
+              </a:rPr>
+              <a:t>When we ask for a component that doesn’t exist on a </a:t>
+            </a:r>
+            <a:r>
+              <a:rPr lang="en-US" sz="2000" dirty="0" err="1" smtClean="0">
+                <a:latin typeface="+mn-lt"/>
+                <a:cs typeface="Courier New" panose="02070309020205020404" pitchFamily="49" charset="0"/>
+              </a:rPr>
+              <a:t>gameobject</a:t>
+            </a:r>
+            <a:r>
+              <a:rPr lang="en-US" sz="2000" dirty="0" smtClean="0">
+                <a:latin typeface="+mn-lt"/>
+                <a:cs typeface="Courier New" panose="02070309020205020404" pitchFamily="49" charset="0"/>
+              </a:rPr>
+              <a:t>, </a:t>
+            </a:r>
+            <a:r>
+              <a:rPr lang="en-US" sz="2000" i="1" dirty="0" err="1" smtClean="0">
+                <a:latin typeface="+mn-lt"/>
+                <a:cs typeface="Courier New" panose="02070309020205020404" pitchFamily="49" charset="0"/>
+              </a:rPr>
+              <a:t>GetComponent</a:t>
+            </a:r>
+            <a:r>
+              <a:rPr lang="en-US" sz="2000" i="1" dirty="0" smtClean="0">
+                <a:latin typeface="+mn-lt"/>
+                <a:cs typeface="Courier New" panose="02070309020205020404" pitchFamily="49" charset="0"/>
+              </a:rPr>
+              <a:t>&lt;t&gt;()</a:t>
+            </a:r>
+            <a:r>
+              <a:rPr lang="en-US" sz="2000" dirty="0" smtClean="0">
+                <a:latin typeface="+mn-lt"/>
+                <a:cs typeface="Courier New" panose="02070309020205020404" pitchFamily="49" charset="0"/>
+              </a:rPr>
+              <a:t> will return a </a:t>
+            </a:r>
+            <a:r>
+              <a:rPr lang="en-US" sz="2000" i="1" dirty="0" smtClean="0">
+                <a:latin typeface="+mn-lt"/>
+                <a:cs typeface="Courier New" panose="02070309020205020404" pitchFamily="49" charset="0"/>
+              </a:rPr>
+              <a:t>null </a:t>
+            </a:r>
+            <a:r>
+              <a:rPr lang="en-US" sz="2000" dirty="0" smtClean="0">
+                <a:latin typeface="+mn-lt"/>
+                <a:cs typeface="Courier New" panose="02070309020205020404" pitchFamily="49" charset="0"/>
+              </a:rPr>
+              <a:t>value.</a:t>
+            </a:r>
+          </a:p>
+          <a:p>
+            <a:pPr marL="203200" indent="0">
+              <a:buNone/>
+            </a:pPr>
+            <a:endParaRPr lang="en-US" sz="2000" dirty="0">
+              <a:latin typeface="+mn-lt"/>
+              <a:cs typeface="Courier New" panose="02070309020205020404" pitchFamily="49" charset="0"/>
+            </a:endParaRPr>
+          </a:p>
+          <a:p>
+            <a:pPr marL="203200" indent="0">
+              <a:buNone/>
+            </a:pPr>
+            <a:r>
+              <a:rPr lang="en-US" sz="2000" dirty="0" smtClean="0">
+                <a:latin typeface="+mn-lt"/>
+                <a:cs typeface="Courier New" panose="02070309020205020404" pitchFamily="49" charset="0"/>
+              </a:rPr>
+              <a:t>We can check code in two ways in Unity…  </a:t>
+            </a:r>
+          </a:p>
+          <a:p>
+            <a:pPr marL="203200" indent="0">
+              <a:buNone/>
+            </a:pPr>
+            <a:endParaRPr lang="en-US" sz="2000" dirty="0">
+              <a:latin typeface="+mn-lt"/>
+              <a:cs typeface="Courier New" panose="02070309020205020404" pitchFamily="49" charset="0"/>
+            </a:endParaRPr>
+          </a:p>
+        </p:txBody>
+      </p:sp>
+      <p:sp>
+        <p:nvSpPr>
+          <p:cNvPr id="4" name="Text Placeholder 3"/>
+          <p:cNvSpPr>
+            <a:spLocks noGrp="1"/>
+          </p:cNvSpPr>
+          <p:nvPr>
+            <p:ph type="body" idx="2"/>
+          </p:nvPr>
+        </p:nvSpPr>
+        <p:spPr/>
+        <p:txBody>
+          <a:bodyPr/>
+          <a:lstStyle/>
+          <a:p>
+            <a:endParaRPr lang="en-US" dirty="0"/>
+          </a:p>
+        </p:txBody>
+      </p:sp>
+    </p:spTree>
+    <p:extLst>
+      <p:ext uri="{BB962C8B-B14F-4D97-AF65-F5344CB8AC3E}">
+        <p14:creationId xmlns:p14="http://schemas.microsoft.com/office/powerpoint/2010/main" val="2269242645"/>
+      </p:ext>
+    </p:extLst>
+  </p:cSld>
+  <p:clrMapOvr>
+    <a:masterClrMapping/>
+  </p:clrMapOvr>
+  <p:timing>
+    <p:tnLst>
+      <p:par>
+        <p:cTn id="1" dur="indefinite" restart="never" nodeType="tmRoot"/>
+      </p:par>
+    </p:tnLst>
+  </p:timing>
+</p:sld>
+</file>
+
+<file path=ppt/slides/slide11.xml><?xml version="1.0" encoding="utf-8"?>
+<p:sld xmlns:a="http://schemas.openxmlformats.org/drawingml/2006/main" xmlns:r="http://schemas.openxmlformats.org/officeDocument/2006/relationships" xmlns:p="http://schemas.openxmlformats.org/presentationml/2006/main">
+  <p:cSld>
+    <p:spTree>
+      <p:nvGrpSpPr>
+        <p:cNvPr id="1" name=""/>
+        <p:cNvGrpSpPr/>
+        <p:nvPr/>
+      </p:nvGrpSpPr>
+      <p:grpSpPr>
+        <a:xfrm>
+          <a:off x="0" y="0"/>
+          <a:ext cx="0" cy="0"/>
+          <a:chOff x="0" y="0"/>
+          <a:chExt cx="0" cy="0"/>
+        </a:xfrm>
+      </p:grpSpPr>
+      <p:sp>
+        <p:nvSpPr>
+          <p:cNvPr id="2" name="Title 1"/>
+          <p:cNvSpPr>
+            <a:spLocks noGrp="1"/>
+          </p:cNvSpPr>
+          <p:nvPr>
+            <p:ph type="title"/>
+          </p:nvPr>
+        </p:nvSpPr>
+        <p:spPr/>
+        <p:txBody>
+          <a:bodyPr>
+            <a:normAutofit fontScale="90000"/>
+          </a:bodyPr>
+          <a:lstStyle/>
+          <a:p>
+            <a:r>
+              <a:rPr lang="en-US" dirty="0" smtClean="0"/>
+              <a:t>Checking Code Example</a:t>
+            </a:r>
+            <a:br>
+              <a:rPr lang="en-US" dirty="0" smtClean="0"/>
+            </a:br>
+            <a:endParaRPr lang="en-US" dirty="0"/>
+          </a:p>
+        </p:txBody>
+      </p:sp>
+      <p:sp>
+        <p:nvSpPr>
+          <p:cNvPr id="3" name="Text Placeholder 2"/>
+          <p:cNvSpPr>
+            <a:spLocks noGrp="1"/>
+          </p:cNvSpPr>
+          <p:nvPr>
+            <p:ph type="body" idx="1"/>
+          </p:nvPr>
+        </p:nvSpPr>
+        <p:spPr/>
+        <p:txBody>
+          <a:bodyPr>
+            <a:noAutofit/>
+          </a:bodyPr>
+          <a:lstStyle/>
+          <a:p>
+            <a:pPr marL="203200" indent="0">
+              <a:buNone/>
+            </a:pPr>
+            <a:r>
+              <a:rPr lang="en-US" sz="2000" dirty="0" err="1" smtClean="0">
+                <a:latin typeface="Courier New" panose="02070309020205020404" pitchFamily="49" charset="0"/>
+                <a:cs typeface="Courier New" panose="02070309020205020404" pitchFamily="49" charset="0"/>
+              </a:rPr>
+              <a:t>RigidBody</a:t>
+            </a:r>
+            <a:r>
+              <a:rPr lang="en-US" sz="2000" dirty="0" smtClean="0">
+                <a:latin typeface="Courier New" panose="02070309020205020404" pitchFamily="49" charset="0"/>
+                <a:cs typeface="Courier New" panose="02070309020205020404" pitchFamily="49" charset="0"/>
+              </a:rPr>
+              <a:t> </a:t>
+            </a:r>
+            <a:r>
+              <a:rPr lang="en-US" sz="2000" dirty="0" err="1">
+                <a:latin typeface="Courier New" panose="02070309020205020404" pitchFamily="49" charset="0"/>
+                <a:cs typeface="Courier New" panose="02070309020205020404" pitchFamily="49" charset="0"/>
+              </a:rPr>
+              <a:t>rb</a:t>
+            </a:r>
+            <a:r>
+              <a:rPr lang="en-US" sz="2000" dirty="0">
+                <a:latin typeface="Courier New" panose="02070309020205020404" pitchFamily="49" charset="0"/>
+                <a:cs typeface="Courier New" panose="02070309020205020404" pitchFamily="49" charset="0"/>
+              </a:rPr>
+              <a:t>; </a:t>
+            </a:r>
+            <a:r>
+              <a:rPr lang="en-US" sz="2000" dirty="0" smtClean="0">
+                <a:latin typeface="Courier New" panose="02070309020205020404" pitchFamily="49" charset="0"/>
+                <a:cs typeface="Courier New" panose="02070309020205020404" pitchFamily="49" charset="0"/>
+              </a:rPr>
+              <a:t>// This is class member variable</a:t>
+            </a:r>
+            <a:endParaRPr lang="en-US" sz="2000" dirty="0">
+              <a:latin typeface="Courier New" panose="02070309020205020404" pitchFamily="49" charset="0"/>
+              <a:cs typeface="Courier New" panose="02070309020205020404" pitchFamily="49" charset="0"/>
+            </a:endParaRPr>
+          </a:p>
+          <a:p>
+            <a:pPr marL="203200" indent="0">
+              <a:buNone/>
+            </a:pPr>
+            <a:r>
+              <a:rPr lang="en-US" sz="2000" dirty="0" smtClean="0">
+                <a:latin typeface="Courier New" panose="02070309020205020404" pitchFamily="49" charset="0"/>
+                <a:cs typeface="Courier New" panose="02070309020205020404" pitchFamily="49" charset="0"/>
+              </a:rPr>
+              <a:t>public </a:t>
+            </a:r>
+            <a:r>
+              <a:rPr lang="en-US" sz="2000" dirty="0">
+                <a:latin typeface="Courier New" panose="02070309020205020404" pitchFamily="49" charset="0"/>
+                <a:cs typeface="Courier New" panose="02070309020205020404" pitchFamily="49" charset="0"/>
+              </a:rPr>
+              <a:t>void </a:t>
+            </a:r>
+            <a:r>
+              <a:rPr lang="en-US" sz="2000" dirty="0" smtClean="0">
+                <a:latin typeface="Courier New" panose="02070309020205020404" pitchFamily="49" charset="0"/>
+                <a:cs typeface="Courier New" panose="02070309020205020404" pitchFamily="49" charset="0"/>
+              </a:rPr>
+              <a:t>Start() {</a:t>
+            </a:r>
+            <a:endParaRPr lang="en-US" sz="2000" dirty="0">
+              <a:latin typeface="Courier New" panose="02070309020205020404" pitchFamily="49" charset="0"/>
+              <a:cs typeface="Courier New" panose="02070309020205020404" pitchFamily="49" charset="0"/>
+            </a:endParaRPr>
+          </a:p>
+          <a:p>
+            <a:pPr marL="203200" indent="0">
+              <a:buNone/>
+            </a:pPr>
+            <a:r>
+              <a:rPr lang="en-US" sz="2000" dirty="0" smtClean="0">
+                <a:latin typeface="Courier New" panose="02070309020205020404" pitchFamily="49" charset="0"/>
+                <a:cs typeface="Courier New" panose="02070309020205020404" pitchFamily="49" charset="0"/>
+              </a:rPr>
+              <a:t>   </a:t>
+            </a:r>
+            <a:r>
+              <a:rPr lang="en-US" sz="2000" dirty="0" err="1" smtClean="0">
+                <a:latin typeface="Courier New" panose="02070309020205020404" pitchFamily="49" charset="0"/>
+                <a:cs typeface="Courier New" panose="02070309020205020404" pitchFamily="49" charset="0"/>
+              </a:rPr>
+              <a:t>rb</a:t>
+            </a:r>
+            <a:r>
+              <a:rPr lang="en-US" sz="2000" dirty="0" smtClean="0">
+                <a:latin typeface="Courier New" panose="02070309020205020404" pitchFamily="49" charset="0"/>
+                <a:cs typeface="Courier New" panose="02070309020205020404" pitchFamily="49" charset="0"/>
+              </a:rPr>
+              <a:t> </a:t>
+            </a:r>
+            <a:r>
+              <a:rPr lang="en-US" sz="2000" dirty="0">
+                <a:latin typeface="Courier New" panose="02070309020205020404" pitchFamily="49" charset="0"/>
+                <a:cs typeface="Courier New" panose="02070309020205020404" pitchFamily="49" charset="0"/>
+              </a:rPr>
+              <a:t>= </a:t>
+            </a:r>
+            <a:r>
+              <a:rPr lang="en-US" sz="2000" dirty="0" err="1">
+                <a:latin typeface="Courier New" panose="02070309020205020404" pitchFamily="49" charset="0"/>
+                <a:cs typeface="Courier New" panose="02070309020205020404" pitchFamily="49" charset="0"/>
+              </a:rPr>
+              <a:t>gameObject.GetComponet</a:t>
+            </a:r>
+            <a:r>
+              <a:rPr lang="en-US" sz="2000" dirty="0">
+                <a:latin typeface="Courier New" panose="02070309020205020404" pitchFamily="49" charset="0"/>
+                <a:cs typeface="Courier New" panose="02070309020205020404" pitchFamily="49" charset="0"/>
+              </a:rPr>
+              <a:t>&lt;</a:t>
+            </a:r>
+            <a:r>
+              <a:rPr lang="en-US" sz="2000" dirty="0" err="1">
+                <a:latin typeface="Courier New" panose="02070309020205020404" pitchFamily="49" charset="0"/>
+                <a:cs typeface="Courier New" panose="02070309020205020404" pitchFamily="49" charset="0"/>
+              </a:rPr>
+              <a:t>RigidBody</a:t>
+            </a:r>
+            <a:r>
+              <a:rPr lang="en-US" sz="2000" dirty="0">
+                <a:latin typeface="Courier New" panose="02070309020205020404" pitchFamily="49" charset="0"/>
+                <a:cs typeface="Courier New" panose="02070309020205020404" pitchFamily="49" charset="0"/>
+              </a:rPr>
+              <a:t>&gt;();</a:t>
+            </a:r>
+          </a:p>
+          <a:p>
+            <a:pPr marL="203200" indent="0">
+              <a:buNone/>
+            </a:pPr>
+            <a:endParaRPr lang="en-US" sz="2000" dirty="0">
+              <a:latin typeface="Courier New" panose="02070309020205020404" pitchFamily="49" charset="0"/>
+              <a:cs typeface="Courier New" panose="02070309020205020404" pitchFamily="49" charset="0"/>
+            </a:endParaRPr>
+          </a:p>
+          <a:p>
+            <a:pPr marL="203200" indent="0">
+              <a:buNone/>
+            </a:pPr>
+            <a:r>
+              <a:rPr lang="en-US" sz="2000" dirty="0" smtClean="0">
+                <a:latin typeface="Courier New" panose="02070309020205020404" pitchFamily="49" charset="0"/>
+                <a:cs typeface="Courier New" panose="02070309020205020404" pitchFamily="49" charset="0"/>
+              </a:rPr>
+              <a:t>   // </a:t>
+            </a:r>
+            <a:r>
+              <a:rPr lang="en-US" sz="2000" dirty="0">
+                <a:latin typeface="Courier New" panose="02070309020205020404" pitchFamily="49" charset="0"/>
+                <a:cs typeface="Courier New" panose="02070309020205020404" pitchFamily="49" charset="0"/>
+              </a:rPr>
+              <a:t>check for the Null</a:t>
+            </a:r>
+          </a:p>
+          <a:p>
+            <a:pPr marL="203200" indent="0">
+              <a:buNone/>
+            </a:pPr>
+            <a:r>
+              <a:rPr lang="en-US" sz="2000" dirty="0" smtClean="0">
+                <a:latin typeface="Courier New" panose="02070309020205020404" pitchFamily="49" charset="0"/>
+                <a:cs typeface="Courier New" panose="02070309020205020404" pitchFamily="49" charset="0"/>
+              </a:rPr>
+              <a:t>   if </a:t>
+            </a:r>
+            <a:r>
+              <a:rPr lang="en-US" sz="2000" dirty="0">
+                <a:latin typeface="Courier New" panose="02070309020205020404" pitchFamily="49" charset="0"/>
+                <a:cs typeface="Courier New" panose="02070309020205020404" pitchFamily="49" charset="0"/>
+              </a:rPr>
+              <a:t>(</a:t>
+            </a:r>
+            <a:r>
+              <a:rPr lang="en-US" sz="2000" dirty="0" err="1">
+                <a:latin typeface="Courier New" panose="02070309020205020404" pitchFamily="49" charset="0"/>
+                <a:cs typeface="Courier New" panose="02070309020205020404" pitchFamily="49" charset="0"/>
+              </a:rPr>
+              <a:t>rb</a:t>
+            </a:r>
+            <a:r>
+              <a:rPr lang="en-US" sz="2000" dirty="0">
+                <a:latin typeface="Courier New" panose="02070309020205020404" pitchFamily="49" charset="0"/>
+                <a:cs typeface="Courier New" panose="02070309020205020404" pitchFamily="49" charset="0"/>
+              </a:rPr>
+              <a:t> == null)</a:t>
+            </a:r>
+          </a:p>
+          <a:p>
+            <a:pPr marL="203200" indent="0">
+              <a:buNone/>
+            </a:pPr>
+            <a:r>
+              <a:rPr lang="en-US" sz="2000" dirty="0">
+                <a:latin typeface="Courier New" panose="02070309020205020404" pitchFamily="49" charset="0"/>
+                <a:cs typeface="Courier New" panose="02070309020205020404" pitchFamily="49" charset="0"/>
+              </a:rPr>
+              <a:t>   </a:t>
+            </a:r>
+            <a:r>
+              <a:rPr lang="en-US" sz="2000" dirty="0" smtClean="0">
+                <a:latin typeface="Courier New" panose="02070309020205020404" pitchFamily="49" charset="0"/>
+                <a:cs typeface="Courier New" panose="02070309020205020404" pitchFamily="49" charset="0"/>
+              </a:rPr>
+              <a:t>{ </a:t>
+            </a:r>
+            <a:r>
+              <a:rPr lang="en-US" sz="2000" dirty="0">
+                <a:latin typeface="Courier New" panose="02070309020205020404" pitchFamily="49" charset="0"/>
+                <a:cs typeface="Courier New" panose="02070309020205020404" pitchFamily="49" charset="0"/>
+              </a:rPr>
+              <a:t>/*No rigid Body*/ };</a:t>
+            </a:r>
+          </a:p>
+          <a:p>
+            <a:pPr marL="203200" indent="0">
+              <a:buNone/>
+            </a:pPr>
+            <a:r>
+              <a:rPr lang="en-US" sz="2000" dirty="0">
+                <a:latin typeface="Courier New" panose="02070309020205020404" pitchFamily="49" charset="0"/>
+                <a:cs typeface="Courier New" panose="02070309020205020404" pitchFamily="49" charset="0"/>
+              </a:rPr>
+              <a:t>        </a:t>
+            </a:r>
+            <a:endParaRPr lang="en-US" sz="2000" dirty="0" smtClean="0">
+              <a:latin typeface="Courier New" panose="02070309020205020404" pitchFamily="49" charset="0"/>
+              <a:cs typeface="Courier New" panose="02070309020205020404" pitchFamily="49" charset="0"/>
+            </a:endParaRPr>
+          </a:p>
+          <a:p>
+            <a:pPr marL="203200" indent="0">
+              <a:buNone/>
+            </a:pPr>
+            <a:r>
+              <a:rPr lang="en-US" sz="2000" dirty="0" smtClean="0">
+                <a:latin typeface="Courier New" panose="02070309020205020404" pitchFamily="49" charset="0"/>
+                <a:cs typeface="Courier New" panose="02070309020205020404" pitchFamily="49" charset="0"/>
+              </a:rPr>
+              <a:t>   // </a:t>
+            </a:r>
+            <a:r>
+              <a:rPr lang="en-US" sz="2000" dirty="0">
+                <a:latin typeface="Courier New" panose="02070309020205020404" pitchFamily="49" charset="0"/>
+                <a:cs typeface="Courier New" panose="02070309020205020404" pitchFamily="49" charset="0"/>
+              </a:rPr>
+              <a:t>or in Unity only... </a:t>
+            </a:r>
+          </a:p>
+          <a:p>
+            <a:pPr marL="203200" indent="0">
+              <a:buNone/>
+            </a:pPr>
+            <a:r>
+              <a:rPr lang="en-US" sz="2000" dirty="0" smtClean="0">
+                <a:latin typeface="Courier New" panose="02070309020205020404" pitchFamily="49" charset="0"/>
+                <a:cs typeface="Courier New" panose="02070309020205020404" pitchFamily="49" charset="0"/>
+              </a:rPr>
+              <a:t>   if </a:t>
+            </a:r>
+            <a:r>
+              <a:rPr lang="en-US" sz="2000" dirty="0">
+                <a:latin typeface="Courier New" panose="02070309020205020404" pitchFamily="49" charset="0"/>
+                <a:cs typeface="Courier New" panose="02070309020205020404" pitchFamily="49" charset="0"/>
+              </a:rPr>
+              <a:t>(!</a:t>
+            </a:r>
+            <a:r>
+              <a:rPr lang="en-US" sz="2000" dirty="0" err="1">
+                <a:latin typeface="Courier New" panose="02070309020205020404" pitchFamily="49" charset="0"/>
+                <a:cs typeface="Courier New" panose="02070309020205020404" pitchFamily="49" charset="0"/>
+              </a:rPr>
+              <a:t>rb</a:t>
+            </a:r>
+            <a:r>
+              <a:rPr lang="en-US" sz="2000" dirty="0">
+                <a:latin typeface="Courier New" panose="02070309020205020404" pitchFamily="49" charset="0"/>
+                <a:cs typeface="Courier New" panose="02070309020205020404" pitchFamily="49" charset="0"/>
+              </a:rPr>
+              <a:t>)</a:t>
+            </a:r>
+          </a:p>
+          <a:p>
+            <a:pPr marL="203200" indent="0">
+              <a:buNone/>
+            </a:pPr>
+            <a:r>
+              <a:rPr lang="en-US" sz="2000" dirty="0">
+                <a:latin typeface="Courier New" panose="02070309020205020404" pitchFamily="49" charset="0"/>
+                <a:cs typeface="Courier New" panose="02070309020205020404" pitchFamily="49" charset="0"/>
+              </a:rPr>
+              <a:t>   </a:t>
+            </a:r>
+            <a:r>
+              <a:rPr lang="en-US" sz="2000" dirty="0" smtClean="0">
+                <a:latin typeface="Courier New" panose="02070309020205020404" pitchFamily="49" charset="0"/>
+                <a:cs typeface="Courier New" panose="02070309020205020404" pitchFamily="49" charset="0"/>
+              </a:rPr>
+              <a:t>{ </a:t>
+            </a:r>
+            <a:r>
+              <a:rPr lang="en-US" sz="2000" dirty="0">
+                <a:latin typeface="Courier New" panose="02070309020205020404" pitchFamily="49" charset="0"/>
+                <a:cs typeface="Courier New" panose="02070309020205020404" pitchFamily="49" charset="0"/>
+              </a:rPr>
+              <a:t>/*No rigid Body*/ </a:t>
+            </a:r>
+            <a:r>
+              <a:rPr lang="en-US" sz="2000" dirty="0" smtClean="0">
+                <a:latin typeface="Courier New" panose="02070309020205020404" pitchFamily="49" charset="0"/>
+                <a:cs typeface="Courier New" panose="02070309020205020404" pitchFamily="49" charset="0"/>
+              </a:rPr>
+              <a:t>};</a:t>
+            </a:r>
+          </a:p>
+          <a:p>
+            <a:pPr marL="203200" indent="0">
+              <a:buNone/>
+            </a:pPr>
+            <a:r>
+              <a:rPr lang="en-US" sz="2000" dirty="0" smtClean="0">
+                <a:latin typeface="Courier New" panose="02070309020205020404" pitchFamily="49" charset="0"/>
+                <a:cs typeface="Courier New" panose="02070309020205020404" pitchFamily="49" charset="0"/>
+              </a:rPr>
+              <a:t>}</a:t>
+            </a:r>
+            <a:endParaRPr lang="en-US" sz="2000" dirty="0">
+              <a:latin typeface="Courier New" panose="02070309020205020404" pitchFamily="49" charset="0"/>
+              <a:cs typeface="Courier New" panose="02070309020205020404" pitchFamily="49" charset="0"/>
+            </a:endParaRPr>
+          </a:p>
+        </p:txBody>
+      </p:sp>
+      <p:sp>
+        <p:nvSpPr>
+          <p:cNvPr id="4" name="Text Placeholder 3"/>
+          <p:cNvSpPr>
+            <a:spLocks noGrp="1"/>
+          </p:cNvSpPr>
+          <p:nvPr>
+            <p:ph type="body" idx="2"/>
+          </p:nvPr>
+        </p:nvSpPr>
+        <p:spPr/>
+        <p:txBody>
+          <a:bodyPr/>
+          <a:lstStyle/>
+          <a:p>
+            <a:endParaRPr lang="en-US" dirty="0"/>
+          </a:p>
+        </p:txBody>
+      </p:sp>
+    </p:spTree>
+    <p:extLst>
+      <p:ext uri="{BB962C8B-B14F-4D97-AF65-F5344CB8AC3E}">
+        <p14:creationId xmlns:p14="http://schemas.microsoft.com/office/powerpoint/2010/main" val="521506241"/>
+      </p:ext>
+    </p:extLst>
+  </p:cSld>
+  <p:clrMapOvr>
+    <a:masterClrMapping/>
+  </p:clrMapOvr>
+  <p:timing>
+    <p:tnLst>
+      <p:par>
+        <p:cTn id="1" dur="indefinite" restart="never" nodeType="tmRoot"/>
+      </p:par>
+    </p:tnLst>
+  </p:timing>
+</p:sld>
+</file>
+
+<file path=ppt/slides/slide12.xml><?xml version="1.0" encoding="utf-8"?>
+<p:sld xmlns:a="http://schemas.openxmlformats.org/drawingml/2006/main" xmlns:r="http://schemas.openxmlformats.org/officeDocument/2006/relationships" xmlns:p="http://schemas.openxmlformats.org/presentationml/2006/main">
+  <p:cSld>
+    <p:spTree>
+      <p:nvGrpSpPr>
+        <p:cNvPr id="1" name=""/>
+        <p:cNvGrpSpPr/>
+        <p:nvPr/>
+      </p:nvGrpSpPr>
+      <p:grpSpPr>
+        <a:xfrm>
+          <a:off x="0" y="0"/>
+          <a:ext cx="0" cy="0"/>
+          <a:chOff x="0" y="0"/>
+          <a:chExt cx="0" cy="0"/>
+        </a:xfrm>
+      </p:grpSpPr>
+      <p:sp>
+        <p:nvSpPr>
+          <p:cNvPr id="2" name="Title 1"/>
+          <p:cNvSpPr>
+            <a:spLocks noGrp="1"/>
+          </p:cNvSpPr>
+          <p:nvPr>
+            <p:ph type="title"/>
+          </p:nvPr>
+        </p:nvSpPr>
+        <p:spPr/>
+        <p:txBody>
+          <a:bodyPr>
+            <a:normAutofit fontScale="90000"/>
+          </a:bodyPr>
+          <a:lstStyle/>
+          <a:p>
+            <a:r>
+              <a:rPr lang="en-US" dirty="0" smtClean="0"/>
+              <a:t>Require Component</a:t>
+            </a:r>
+            <a:br>
+              <a:rPr lang="en-US" dirty="0" smtClean="0"/>
+            </a:br>
+            <a:endParaRPr lang="en-US" dirty="0"/>
+          </a:p>
+        </p:txBody>
+      </p:sp>
+      <p:sp>
+        <p:nvSpPr>
+          <p:cNvPr id="3" name="Text Placeholder 2"/>
+          <p:cNvSpPr>
+            <a:spLocks noGrp="1"/>
+          </p:cNvSpPr>
+          <p:nvPr>
+            <p:ph type="body" idx="1"/>
+          </p:nvPr>
+        </p:nvSpPr>
+        <p:spPr/>
+        <p:txBody>
+          <a:bodyPr>
+            <a:noAutofit/>
+          </a:bodyPr>
+          <a:lstStyle/>
+          <a:p>
+            <a:pPr marL="203200" indent="0">
+              <a:buNone/>
+            </a:pPr>
+            <a:r>
+              <a:rPr lang="en-US" sz="2000" dirty="0" smtClean="0">
+                <a:latin typeface="+mn-lt"/>
+                <a:cs typeface="Courier New" panose="02070309020205020404" pitchFamily="49" charset="0"/>
+              </a:rPr>
+              <a:t>Sometimes it’s easier to just Require a component… </a:t>
+            </a:r>
+          </a:p>
+          <a:p>
+            <a:pPr marL="203200" indent="0">
+              <a:buNone/>
+            </a:pPr>
+            <a:r>
+              <a:rPr lang="en-US" sz="2000" dirty="0" smtClean="0">
+                <a:latin typeface="+mn-lt"/>
+                <a:cs typeface="Courier New" panose="02070309020205020404" pitchFamily="49" charset="0"/>
+              </a:rPr>
+              <a:t>The Rigid Body is a great example of this. </a:t>
+            </a:r>
+          </a:p>
+          <a:p>
+            <a:pPr marL="203200" indent="0">
+              <a:buNone/>
+            </a:pPr>
+            <a:endParaRPr lang="en-US" sz="2000" dirty="0">
+              <a:latin typeface="+mn-lt"/>
+              <a:cs typeface="Courier New" panose="02070309020205020404" pitchFamily="49" charset="0"/>
+            </a:endParaRPr>
+          </a:p>
+          <a:p>
+            <a:pPr marL="203200" indent="0">
+              <a:buNone/>
+            </a:pPr>
+            <a:r>
+              <a:rPr lang="en-US" sz="2000" dirty="0" smtClean="0">
+                <a:latin typeface="+mn-lt"/>
+                <a:cs typeface="Courier New" panose="02070309020205020404" pitchFamily="49" charset="0"/>
+              </a:rPr>
+              <a:t>Unity has a Require Component Attribute Feature that’s well documented in the API. </a:t>
+            </a:r>
+          </a:p>
+          <a:p>
+            <a:pPr marL="203200" indent="0">
+              <a:buNone/>
+            </a:pPr>
+            <a:endParaRPr lang="en-US" sz="2000" dirty="0">
+              <a:latin typeface="+mn-lt"/>
+              <a:cs typeface="Courier New" panose="02070309020205020404" pitchFamily="49" charset="0"/>
+            </a:endParaRPr>
+          </a:p>
+          <a:p>
+            <a:pPr marL="203200" indent="0">
+              <a:buNone/>
+            </a:pPr>
+            <a:r>
+              <a:rPr lang="en-US" sz="2000" dirty="0">
+                <a:latin typeface="+mn-lt"/>
+                <a:cs typeface="Courier New" panose="02070309020205020404" pitchFamily="49" charset="0"/>
+                <a:hlinkClick r:id="rId2"/>
+              </a:rPr>
+              <a:t>https://</a:t>
+            </a:r>
+            <a:r>
+              <a:rPr lang="en-US" sz="2000" dirty="0" smtClean="0">
+                <a:latin typeface="+mn-lt"/>
+                <a:cs typeface="Courier New" panose="02070309020205020404" pitchFamily="49" charset="0"/>
+                <a:hlinkClick r:id="rId2"/>
+              </a:rPr>
+              <a:t>docs.unity3d.com/ScriptReference/RequireComponent.html</a:t>
+            </a:r>
+            <a:endParaRPr lang="en-US" sz="2000" dirty="0" smtClean="0">
+              <a:latin typeface="+mn-lt"/>
+              <a:cs typeface="Courier New" panose="02070309020205020404" pitchFamily="49" charset="0"/>
+            </a:endParaRPr>
+          </a:p>
+          <a:p>
+            <a:pPr marL="203200" indent="0">
+              <a:buNone/>
+            </a:pPr>
+            <a:endParaRPr lang="en-US" sz="2000" dirty="0" smtClean="0">
+              <a:latin typeface="+mn-lt"/>
+              <a:cs typeface="Courier New" panose="02070309020205020404" pitchFamily="49" charset="0"/>
+            </a:endParaRPr>
+          </a:p>
+          <a:p>
+            <a:pPr marL="203200" indent="0">
+              <a:buNone/>
+            </a:pPr>
+            <a:endParaRPr lang="en-US" sz="2000" dirty="0">
+              <a:latin typeface="+mn-lt"/>
+              <a:cs typeface="Courier New" panose="02070309020205020404" pitchFamily="49" charset="0"/>
+            </a:endParaRPr>
+          </a:p>
+        </p:txBody>
+      </p:sp>
+      <p:sp>
+        <p:nvSpPr>
+          <p:cNvPr id="4" name="Text Placeholder 3"/>
+          <p:cNvSpPr>
+            <a:spLocks noGrp="1"/>
+          </p:cNvSpPr>
+          <p:nvPr>
+            <p:ph type="body" idx="2"/>
+          </p:nvPr>
+        </p:nvSpPr>
+        <p:spPr/>
+        <p:txBody>
+          <a:bodyPr/>
+          <a:lstStyle/>
+          <a:p>
+            <a:endParaRPr lang="en-US" dirty="0"/>
+          </a:p>
+        </p:txBody>
+      </p:sp>
+    </p:spTree>
+    <p:extLst>
+      <p:ext uri="{BB962C8B-B14F-4D97-AF65-F5344CB8AC3E}">
+        <p14:creationId xmlns:p14="http://schemas.microsoft.com/office/powerpoint/2010/main" val="4149230176"/>
+      </p:ext>
+    </p:extLst>
+  </p:cSld>
+  <p:clrMapOvr>
+    <a:masterClrMapping/>
+  </p:clrMapOvr>
+  <p:timing>
+    <p:tnLst>
+      <p:par>
+        <p:cTn id="1" dur="indefinite" restart="never" nodeType="tmRoot"/>
+      </p:par>
+    </p:tnLst>
+  </p:timing>
+</p:sld>
+</file>
+
+<file path=ppt/slides/slide13.xml><?xml version="1.0" encoding="utf-8"?>
+<p:sld xmlns:a="http://schemas.openxmlformats.org/drawingml/2006/main" xmlns:r="http://schemas.openxmlformats.org/officeDocument/2006/relationships" xmlns:p="http://schemas.openxmlformats.org/presentationml/2006/main">
+  <p:cSld>
+    <p:spTree>
+      <p:nvGrpSpPr>
+        <p:cNvPr id="1" name=""/>
+        <p:cNvGrpSpPr/>
+        <p:nvPr/>
+      </p:nvGrpSpPr>
+      <p:grpSpPr>
+        <a:xfrm>
+          <a:off x="0" y="0"/>
+          <a:ext cx="0" cy="0"/>
+          <a:chOff x="0" y="0"/>
+          <a:chExt cx="0" cy="0"/>
+        </a:xfrm>
+      </p:grpSpPr>
+      <p:sp>
+        <p:nvSpPr>
+          <p:cNvPr id="2" name="Title 1"/>
+          <p:cNvSpPr>
+            <a:spLocks noGrp="1"/>
+          </p:cNvSpPr>
+          <p:nvPr>
+            <p:ph type="title"/>
+          </p:nvPr>
+        </p:nvSpPr>
+        <p:spPr/>
+        <p:txBody>
+          <a:bodyPr>
+            <a:normAutofit fontScale="90000"/>
+          </a:bodyPr>
+          <a:lstStyle/>
+          <a:p>
+            <a:r>
+              <a:rPr lang="en-US" dirty="0" smtClean="0"/>
+              <a:t>Require Component</a:t>
+            </a:r>
+            <a:br>
+              <a:rPr lang="en-US" dirty="0" smtClean="0"/>
+            </a:br>
+            <a:endParaRPr lang="en-US" dirty="0"/>
+          </a:p>
+        </p:txBody>
+      </p:sp>
+      <p:sp>
+        <p:nvSpPr>
+          <p:cNvPr id="3" name="Text Placeholder 2"/>
+          <p:cNvSpPr>
+            <a:spLocks noGrp="1"/>
+          </p:cNvSpPr>
+          <p:nvPr>
+            <p:ph type="body" idx="1"/>
+          </p:nvPr>
+        </p:nvSpPr>
+        <p:spPr/>
+        <p:txBody>
+          <a:bodyPr>
+            <a:noAutofit/>
+          </a:bodyPr>
+          <a:lstStyle/>
+          <a:p>
+            <a:pPr marL="203200" indent="0">
+              <a:buNone/>
+            </a:pPr>
+            <a:r>
+              <a:rPr lang="en-US" sz="2000" dirty="0" smtClean="0">
+                <a:latin typeface="+mn-lt"/>
+                <a:cs typeface="Courier New" panose="02070309020205020404" pitchFamily="49" charset="0"/>
+              </a:rPr>
+              <a:t>Sometimes it’s easier to just Require a component… </a:t>
+            </a:r>
+          </a:p>
+          <a:p>
+            <a:pPr marL="203200" indent="0">
+              <a:buNone/>
+            </a:pPr>
+            <a:r>
+              <a:rPr lang="en-US" sz="2000" dirty="0" smtClean="0">
+                <a:latin typeface="+mn-lt"/>
+                <a:cs typeface="Courier New" panose="02070309020205020404" pitchFamily="49" charset="0"/>
+              </a:rPr>
+              <a:t>The Rigid Body is a great example of this. </a:t>
+            </a:r>
+          </a:p>
+          <a:p>
+            <a:pPr marL="203200" indent="0">
+              <a:buNone/>
+            </a:pPr>
+            <a:endParaRPr lang="en-US" sz="2000" dirty="0">
+              <a:latin typeface="+mn-lt"/>
+              <a:cs typeface="Courier New" panose="02070309020205020404" pitchFamily="49" charset="0"/>
+            </a:endParaRPr>
+          </a:p>
+          <a:p>
+            <a:pPr marL="203200" indent="0">
+              <a:buNone/>
+            </a:pPr>
+            <a:r>
+              <a:rPr lang="en-US" sz="2000" dirty="0" smtClean="0">
+                <a:latin typeface="+mn-lt"/>
+                <a:cs typeface="Courier New" panose="02070309020205020404" pitchFamily="49" charset="0"/>
+              </a:rPr>
+              <a:t>Unity has a Require Component Attribute Feature that’s well documented in the API. </a:t>
+            </a:r>
+          </a:p>
+          <a:p>
+            <a:pPr marL="203200" indent="0">
+              <a:buNone/>
+            </a:pPr>
+            <a:endParaRPr lang="en-US" sz="2000" dirty="0">
+              <a:latin typeface="+mn-lt"/>
+              <a:cs typeface="Courier New" panose="02070309020205020404" pitchFamily="49" charset="0"/>
+            </a:endParaRPr>
+          </a:p>
+          <a:p>
+            <a:pPr marL="203200" indent="0">
+              <a:buNone/>
+            </a:pPr>
+            <a:r>
+              <a:rPr lang="en-US" sz="2000" dirty="0">
+                <a:latin typeface="+mn-lt"/>
+                <a:cs typeface="Courier New" panose="02070309020205020404" pitchFamily="49" charset="0"/>
+                <a:hlinkClick r:id="rId2"/>
+              </a:rPr>
+              <a:t>https://</a:t>
+            </a:r>
+            <a:r>
+              <a:rPr lang="en-US" sz="2000" dirty="0" smtClean="0">
+                <a:latin typeface="+mn-lt"/>
+                <a:cs typeface="Courier New" panose="02070309020205020404" pitchFamily="49" charset="0"/>
+                <a:hlinkClick r:id="rId2"/>
+              </a:rPr>
+              <a:t>docs.unity3d.com/ScriptReference/RequireComponent.html</a:t>
+            </a:r>
+            <a:endParaRPr lang="en-US" sz="2000" dirty="0" smtClean="0">
+              <a:latin typeface="+mn-lt"/>
+              <a:cs typeface="Courier New" panose="02070309020205020404" pitchFamily="49" charset="0"/>
+            </a:endParaRPr>
+          </a:p>
+          <a:p>
+            <a:pPr marL="203200" indent="0">
+              <a:buNone/>
+            </a:pPr>
+            <a:endParaRPr lang="en-US" sz="2000" dirty="0" smtClean="0">
+              <a:latin typeface="+mn-lt"/>
+              <a:cs typeface="Courier New" panose="02070309020205020404" pitchFamily="49" charset="0"/>
+            </a:endParaRPr>
+          </a:p>
+          <a:p>
+            <a:pPr marL="203200" indent="0">
+              <a:buNone/>
+            </a:pPr>
+            <a:endParaRPr lang="en-US" sz="2000" dirty="0">
+              <a:latin typeface="+mn-lt"/>
+              <a:cs typeface="Courier New" panose="02070309020205020404" pitchFamily="49" charset="0"/>
+            </a:endParaRPr>
+          </a:p>
+        </p:txBody>
+      </p:sp>
+      <p:sp>
+        <p:nvSpPr>
+          <p:cNvPr id="4" name="Text Placeholder 3"/>
+          <p:cNvSpPr>
+            <a:spLocks noGrp="1"/>
+          </p:cNvSpPr>
+          <p:nvPr>
+            <p:ph type="body" idx="2"/>
+          </p:nvPr>
+        </p:nvSpPr>
+        <p:spPr/>
+        <p:txBody>
+          <a:bodyPr/>
+          <a:lstStyle/>
+          <a:p>
+            <a:endParaRPr lang="en-US" dirty="0"/>
+          </a:p>
+        </p:txBody>
+      </p:sp>
+    </p:spTree>
+    <p:extLst>
+      <p:ext uri="{BB962C8B-B14F-4D97-AF65-F5344CB8AC3E}">
+        <p14:creationId xmlns:p14="http://schemas.microsoft.com/office/powerpoint/2010/main" val="895461771"/>
+      </p:ext>
+    </p:extLst>
+  </p:cSld>
+  <p:clrMapOvr>
+    <a:masterClrMapping/>
+  </p:clrMapOvr>
+  <p:timing>
+    <p:tnLst>
+      <p:par>
+        <p:cTn id="1" dur="indefinite" restart="never" nodeType="tmRoot"/>
+      </p:par>
+    </p:tnLst>
+  </p:timing>
+</p:sld>
+</file>
+
+<file path=ppt/slides/slide14.xml><?xml version="1.0" encoding="utf-8"?>
+<p:sld xmlns:a="http://schemas.openxmlformats.org/drawingml/2006/main" xmlns:r="http://schemas.openxmlformats.org/officeDocument/2006/relationships" xmlns:p="http://schemas.openxmlformats.org/presentationml/2006/main">
+  <p:cSld>
+    <p:spTree>
+      <p:nvGrpSpPr>
+        <p:cNvPr id="1" name=""/>
+        <p:cNvGrpSpPr/>
+        <p:nvPr/>
+      </p:nvGrpSpPr>
+      <p:grpSpPr>
+        <a:xfrm>
+          <a:off x="0" y="0"/>
+          <a:ext cx="0" cy="0"/>
+          <a:chOff x="0" y="0"/>
+          <a:chExt cx="0" cy="0"/>
+        </a:xfrm>
+      </p:grpSpPr>
+      <p:sp>
+        <p:nvSpPr>
+          <p:cNvPr id="2" name="Title 1"/>
+          <p:cNvSpPr>
+            <a:spLocks noGrp="1"/>
+          </p:cNvSpPr>
+          <p:nvPr>
+            <p:ph type="title"/>
+          </p:nvPr>
+        </p:nvSpPr>
+        <p:spPr/>
+        <p:txBody>
+          <a:bodyPr>
+            <a:normAutofit/>
+          </a:bodyPr>
+          <a:lstStyle/>
+          <a:p>
+            <a:r>
+              <a:rPr lang="en-US" dirty="0" smtClean="0"/>
+              <a:t>Attributes</a:t>
+            </a:r>
+            <a:endParaRPr lang="en-US" dirty="0"/>
+          </a:p>
+        </p:txBody>
+      </p:sp>
+      <p:sp>
+        <p:nvSpPr>
+          <p:cNvPr id="3" name="Text Placeholder 2"/>
+          <p:cNvSpPr>
+            <a:spLocks noGrp="1"/>
+          </p:cNvSpPr>
+          <p:nvPr>
+            <p:ph type="body" idx="1"/>
+          </p:nvPr>
+        </p:nvSpPr>
+        <p:spPr/>
+        <p:txBody>
+          <a:bodyPr>
+            <a:noAutofit/>
+          </a:bodyPr>
+          <a:lstStyle/>
+          <a:p>
+            <a:pPr marL="203200" indent="0">
+              <a:buNone/>
+            </a:pPr>
+            <a:r>
+              <a:rPr lang="en-US" sz="2000" dirty="0" err="1">
+                <a:latin typeface="+mn-lt"/>
+                <a:cs typeface="Courier New" panose="02070309020205020404" pitchFamily="49" charset="0"/>
+              </a:rPr>
+              <a:t>RequireComponet</a:t>
+            </a:r>
+            <a:r>
+              <a:rPr lang="en-US" sz="2000" dirty="0">
+                <a:latin typeface="+mn-lt"/>
+                <a:cs typeface="Courier New" panose="02070309020205020404" pitchFamily="49" charset="0"/>
+              </a:rPr>
+              <a:t> is the first time you’ve seen an Attribute</a:t>
+            </a:r>
+          </a:p>
+          <a:p>
+            <a:pPr marL="203200" indent="0">
+              <a:buNone/>
+            </a:pPr>
+            <a:r>
+              <a:rPr lang="en-US" sz="2000" dirty="0" smtClean="0">
+                <a:latin typeface="+mn-lt"/>
+                <a:cs typeface="Courier New" panose="02070309020205020404" pitchFamily="49" charset="0"/>
+              </a:rPr>
+              <a:t/>
+            </a:r>
+            <a:br>
+              <a:rPr lang="en-US" sz="2000" dirty="0" smtClean="0">
+                <a:latin typeface="+mn-lt"/>
+                <a:cs typeface="Courier New" panose="02070309020205020404" pitchFamily="49" charset="0"/>
+              </a:rPr>
+            </a:br>
+            <a:r>
+              <a:rPr lang="en-US" sz="2000" dirty="0" smtClean="0">
+                <a:latin typeface="+mn-lt"/>
+                <a:cs typeface="Courier New" panose="02070309020205020404" pitchFamily="49" charset="0"/>
+              </a:rPr>
+              <a:t>Attributes are metadata properties that you can add to a class, method or variable. This information can be used to add functionality and usability in specific ways. </a:t>
+            </a:r>
+          </a:p>
+          <a:p>
+            <a:pPr marL="203200" indent="0">
+              <a:buNone/>
+            </a:pPr>
+            <a:endParaRPr lang="en-US" sz="2000" dirty="0">
+              <a:latin typeface="+mn-lt"/>
+              <a:cs typeface="Courier New" panose="02070309020205020404" pitchFamily="49" charset="0"/>
+            </a:endParaRPr>
+          </a:p>
+          <a:p>
+            <a:pPr marL="203200" indent="0">
+              <a:buNone/>
+            </a:pPr>
+            <a:r>
+              <a:rPr lang="en-US" sz="2000">
+                <a:latin typeface="+mn-lt"/>
+                <a:cs typeface="Courier New" panose="02070309020205020404" pitchFamily="49" charset="0"/>
+                <a:hlinkClick r:id="rId2"/>
+              </a:rPr>
+              <a:t>https://docs.microsoft.com/en-us/dotnet/csharp/programming-guide/concepts/attributes</a:t>
+            </a:r>
+            <a:r>
+              <a:rPr lang="en-US" sz="2000" smtClean="0">
+                <a:latin typeface="+mn-lt"/>
+                <a:cs typeface="Courier New" panose="02070309020205020404" pitchFamily="49" charset="0"/>
+                <a:hlinkClick r:id="rId2"/>
+              </a:rPr>
+              <a:t>/</a:t>
+            </a:r>
+            <a:endParaRPr lang="en-US" sz="2000" smtClean="0">
+              <a:latin typeface="+mn-lt"/>
+              <a:cs typeface="Courier New" panose="02070309020205020404" pitchFamily="49" charset="0"/>
+            </a:endParaRPr>
+          </a:p>
+          <a:p>
+            <a:pPr marL="203200" indent="0">
+              <a:buNone/>
+            </a:pPr>
+            <a:endParaRPr lang="en-US" sz="2000" dirty="0" smtClean="0">
+              <a:latin typeface="+mn-lt"/>
+              <a:cs typeface="Courier New" panose="02070309020205020404" pitchFamily="49" charset="0"/>
+            </a:endParaRPr>
+          </a:p>
+          <a:p>
+            <a:pPr marL="203200" indent="0">
+              <a:buNone/>
+            </a:pPr>
+            <a:endParaRPr lang="en-US" sz="2000" dirty="0" smtClean="0">
+              <a:latin typeface="+mn-lt"/>
+              <a:cs typeface="Courier New" panose="02070309020205020404" pitchFamily="49" charset="0"/>
+            </a:endParaRPr>
+          </a:p>
+          <a:p>
+            <a:pPr marL="203200" indent="0">
+              <a:buNone/>
+            </a:pPr>
+            <a:endParaRPr lang="en-US" sz="2000" dirty="0" smtClean="0">
+              <a:latin typeface="+mn-lt"/>
+              <a:cs typeface="Courier New" panose="02070309020205020404" pitchFamily="49" charset="0"/>
+            </a:endParaRPr>
+          </a:p>
+          <a:p>
+            <a:pPr marL="203200" indent="0">
+              <a:buNone/>
+            </a:pPr>
+            <a:endParaRPr lang="en-US" sz="2000" dirty="0">
+              <a:latin typeface="+mn-lt"/>
+              <a:cs typeface="Courier New" panose="02070309020205020404" pitchFamily="49" charset="0"/>
+            </a:endParaRPr>
+          </a:p>
+        </p:txBody>
+      </p:sp>
+      <p:sp>
+        <p:nvSpPr>
+          <p:cNvPr id="4" name="Text Placeholder 3"/>
+          <p:cNvSpPr>
+            <a:spLocks noGrp="1"/>
+          </p:cNvSpPr>
+          <p:nvPr>
+            <p:ph type="body" idx="2"/>
+          </p:nvPr>
+        </p:nvSpPr>
+        <p:spPr/>
+        <p:txBody>
+          <a:bodyPr/>
+          <a:lstStyle/>
+          <a:p>
+            <a:endParaRPr lang="en-US" dirty="0"/>
+          </a:p>
+        </p:txBody>
+      </p:sp>
+    </p:spTree>
+    <p:extLst>
+      <p:ext uri="{BB962C8B-B14F-4D97-AF65-F5344CB8AC3E}">
+        <p14:creationId xmlns:p14="http://schemas.microsoft.com/office/powerpoint/2010/main" val="686645984"/>
+      </p:ext>
+    </p:extLst>
+  </p:cSld>
+  <p:clrMapOvr>
+    <a:masterClrMapping/>
+  </p:clrMapOvr>
+  <p:timing>
+    <p:tnLst>
+      <p:par>
+        <p:cTn id="1" dur="indefinite" restart="never" nodeType="tmRoot"/>
+      </p:par>
+    </p:tnLst>
+  </p:timing>
+</p:sld>
+</file>
+
+<file path=ppt/slides/slide15.xml><?xml version="1.0" encoding="utf-8"?>
+<p:sld xmlns:a="http://schemas.openxmlformats.org/drawingml/2006/main" xmlns:r="http://schemas.openxmlformats.org/officeDocument/2006/relationships" xmlns:p="http://schemas.openxmlformats.org/presentationml/2006/main">
+  <p:cSld>
+    <p:spTree>
+      <p:nvGrpSpPr>
+        <p:cNvPr id="1" name=""/>
+        <p:cNvGrpSpPr/>
+        <p:nvPr/>
+      </p:nvGrpSpPr>
+      <p:grpSpPr>
+        <a:xfrm>
+          <a:off x="0" y="0"/>
+          <a:ext cx="0" cy="0"/>
+          <a:chOff x="0" y="0"/>
+          <a:chExt cx="0" cy="0"/>
+        </a:xfrm>
+      </p:grpSpPr>
+      <p:sp>
+        <p:nvSpPr>
+          <p:cNvPr id="2" name="Title 1"/>
+          <p:cNvSpPr>
+            <a:spLocks noGrp="1"/>
+          </p:cNvSpPr>
+          <p:nvPr>
+            <p:ph type="title"/>
+          </p:nvPr>
+        </p:nvSpPr>
+        <p:spPr/>
+        <p:txBody>
           <a:bodyPr/>
           <a:lstStyle/>
           <a:p>
@@ -10208,7 +11486,7 @@
           <a:graphicData uri="http://schemas.openxmlformats.org/presentationml/2006/ole">
             <mc:AlternateContent xmlns:mc="http://schemas.openxmlformats.org/markup-compatibility/2006">
               <mc:Choice xmlns:v="urn:schemas-microsoft-com:vml" Requires="v">
-                <p:oleObj spid="_x0000_s2057" name="Image" r:id="rId3" imgW="5333040" imgH="1980720" progId="Photoshop.Image.18">
+                <p:oleObj spid="_x0000_s2062" name="Image" r:id="rId3" imgW="5333040" imgH="1980720" progId="Photoshop.Image.18">
                   <p:embed/>
                 </p:oleObj>
               </mc:Choice>
@@ -10263,7 +11541,7 @@
 </p:sld>
 </file>
 
-<file path=ppt/slides/slide11.xml><?xml version="1.0" encoding="utf-8"?>
+<file path=ppt/slides/slide16.xml><?xml version="1.0" encoding="utf-8"?>
 <p:sld xmlns:a="http://schemas.openxmlformats.org/drawingml/2006/main" xmlns:r="http://schemas.openxmlformats.org/officeDocument/2006/relationships" xmlns:p="http://schemas.openxmlformats.org/presentationml/2006/main">
   <p:cSld>
     <p:spTree>
@@ -10484,7 +11762,7 @@
 </p:sld>
 </file>
 
-<file path=ppt/slides/slide12.xml><?xml version="1.0" encoding="utf-8"?>
+<file path=ppt/slides/slide17.xml><?xml version="1.0" encoding="utf-8"?>
 <p:sld xmlns:a="http://schemas.openxmlformats.org/drawingml/2006/main" xmlns:r="http://schemas.openxmlformats.org/officeDocument/2006/relationships" xmlns:p="http://schemas.openxmlformats.org/presentationml/2006/main">
   <p:cSld>
     <p:spTree>
@@ -10635,7 +11913,7 @@
 </p:sld>
 </file>
 
-<file path=ppt/slides/slide13.xml><?xml version="1.0" encoding="utf-8"?>
+<file path=ppt/slides/slide18.xml><?xml version="1.0" encoding="utf-8"?>
 <p:sld xmlns:a="http://schemas.openxmlformats.org/drawingml/2006/main" xmlns:r="http://schemas.openxmlformats.org/officeDocument/2006/relationships" xmlns:p="http://schemas.openxmlformats.org/presentationml/2006/main">
   <p:cSld>
     <p:spTree>
@@ -10743,7 +12021,7 @@
           <a:graphicData uri="http://schemas.openxmlformats.org/presentationml/2006/ole">
             <mc:AlternateContent xmlns:mc="http://schemas.openxmlformats.org/markup-compatibility/2006">
               <mc:Choice xmlns:v="urn:schemas-microsoft-com:vml" Requires="v">
-                <p:oleObj spid="_x0000_s3085" name="Image" r:id="rId3" imgW="5320440" imgH="1853640" progId="Photoshop.Image.18">
+                <p:oleObj spid="_x0000_s3090" name="Image" r:id="rId3" imgW="5320440" imgH="1853640" progId="Photoshop.Image.18">
                   <p:embed/>
                 </p:oleObj>
               </mc:Choice>
@@ -10798,7 +12076,7 @@
 </p:sld>
 </file>
 
-<file path=ppt/slides/slide14.xml><?xml version="1.0" encoding="utf-8"?>
+<file path=ppt/slides/slide19.xml><?xml version="1.0" encoding="utf-8"?>
 <p:sld xmlns:a="http://schemas.openxmlformats.org/drawingml/2006/main" xmlns:r="http://schemas.openxmlformats.org/officeDocument/2006/relationships" xmlns:p="http://schemas.openxmlformats.org/presentationml/2006/main">
   <p:cSld>
     <p:spTree>
@@ -11010,834 +12288,6 @@
     <p:extLst>
       <p:ext uri="{BB962C8B-B14F-4D97-AF65-F5344CB8AC3E}">
         <p14:creationId xmlns:p14="http://schemas.microsoft.com/office/powerpoint/2010/main" val="3958954643"/>
-      </p:ext>
-    </p:extLst>
-  </p:cSld>
-  <p:clrMapOvr>
-    <a:masterClrMapping/>
-  </p:clrMapOvr>
-  <p:timing>
-    <p:tnLst>
-      <p:par>
-        <p:cTn id="1" dur="indefinite" restart="never" nodeType="tmRoot"/>
-      </p:par>
-    </p:tnLst>
-  </p:timing>
-</p:sld>
-</file>
-
-<file path=ppt/slides/slide15.xml><?xml version="1.0" encoding="utf-8"?>
-<p:sld xmlns:a="http://schemas.openxmlformats.org/drawingml/2006/main" xmlns:r="http://schemas.openxmlformats.org/officeDocument/2006/relationships" xmlns:p="http://schemas.openxmlformats.org/presentationml/2006/main">
-  <p:cSld>
-    <p:spTree>
-      <p:nvGrpSpPr>
-        <p:cNvPr id="1" name=""/>
-        <p:cNvGrpSpPr/>
-        <p:nvPr/>
-      </p:nvGrpSpPr>
-      <p:grpSpPr>
-        <a:xfrm>
-          <a:off x="0" y="0"/>
-          <a:ext cx="0" cy="0"/>
-          <a:chOff x="0" y="0"/>
-          <a:chExt cx="0" cy="0"/>
-        </a:xfrm>
-      </p:grpSpPr>
-      <p:sp>
-        <p:nvSpPr>
-          <p:cNvPr id="2" name="Title 1"/>
-          <p:cNvSpPr>
-            <a:spLocks noGrp="1"/>
-          </p:cNvSpPr>
-          <p:nvPr>
-            <p:ph type="title"/>
-          </p:nvPr>
-        </p:nvSpPr>
-        <p:spPr/>
-        <p:txBody>
-          <a:bodyPr/>
-          <a:lstStyle/>
-          <a:p>
-            <a:r>
-              <a:rPr lang="en-US" dirty="0" smtClean="0"/>
-              <a:t>Collider - Collision Methods</a:t>
-            </a:r>
-            <a:endParaRPr lang="en-US" dirty="0"/>
-          </a:p>
-        </p:txBody>
-      </p:sp>
-      <p:sp>
-        <p:nvSpPr>
-          <p:cNvPr id="3" name="Text Placeholder 2"/>
-          <p:cNvSpPr>
-            <a:spLocks noGrp="1"/>
-          </p:cNvSpPr>
-          <p:nvPr>
-            <p:ph type="body" idx="1"/>
-          </p:nvPr>
-        </p:nvSpPr>
-        <p:spPr/>
-        <p:txBody>
-          <a:bodyPr>
-            <a:noAutofit/>
-          </a:bodyPr>
-          <a:lstStyle/>
-          <a:p>
-            <a:pPr marL="203200" indent="0">
-              <a:buNone/>
-            </a:pPr>
-            <a:r>
-              <a:rPr lang="en-US" sz="2000" b="1" dirty="0" smtClean="0">
-                <a:cs typeface="Courier New" panose="02070309020205020404" pitchFamily="49" charset="0"/>
-              </a:rPr>
-              <a:t>void </a:t>
-            </a:r>
-            <a:r>
-              <a:rPr lang="en-US" sz="2000" b="1" dirty="0" err="1" smtClean="0">
-                <a:cs typeface="Courier New" panose="02070309020205020404" pitchFamily="49" charset="0"/>
-              </a:rPr>
-              <a:t>OnCollisionEnter</a:t>
-            </a:r>
-            <a:r>
-              <a:rPr lang="en-US" sz="2000" b="1" dirty="0">
-                <a:cs typeface="Courier New" panose="02070309020205020404" pitchFamily="49" charset="0"/>
-              </a:rPr>
-              <a:t>( Collider other </a:t>
-            </a:r>
-            <a:r>
-              <a:rPr lang="en-US" sz="2000" b="1" dirty="0" smtClean="0">
-                <a:cs typeface="Courier New" panose="02070309020205020404" pitchFamily="49" charset="0"/>
-              </a:rPr>
-              <a:t>)</a:t>
-            </a:r>
-          </a:p>
-          <a:p>
-            <a:pPr marL="203200" indent="0">
-              <a:buNone/>
-            </a:pPr>
-            <a:r>
-              <a:rPr lang="en-US" sz="2000" dirty="0" smtClean="0"/>
-              <a:t>			Called </a:t>
-            </a:r>
-            <a:r>
-              <a:rPr lang="en-US" sz="2000" dirty="0"/>
-              <a:t>when this collider/</a:t>
-            </a:r>
-            <a:r>
-              <a:rPr lang="en-US" sz="2000" dirty="0" err="1"/>
-              <a:t>rigidbody</a:t>
-            </a:r>
-            <a:r>
-              <a:rPr lang="en-US" sz="2000" dirty="0"/>
-              <a:t> has begun touching </a:t>
-            </a:r>
-            <a:r>
-              <a:rPr lang="en-US" sz="2000" dirty="0" smtClean="0"/>
-              <a:t>					another </a:t>
-            </a:r>
-            <a:r>
-              <a:rPr lang="en-US" sz="2000" dirty="0" err="1"/>
-              <a:t>rigidbody</a:t>
-            </a:r>
-            <a:r>
-              <a:rPr lang="en-US" sz="2000" dirty="0"/>
-              <a:t>/collider.</a:t>
-            </a:r>
-            <a:endParaRPr lang="en-US" sz="2000" b="1" dirty="0">
-              <a:cs typeface="Courier New" panose="02070309020205020404" pitchFamily="49" charset="0"/>
-            </a:endParaRPr>
-          </a:p>
-          <a:p>
-            <a:pPr marL="203200" indent="0">
-              <a:buNone/>
-            </a:pPr>
-            <a:r>
-              <a:rPr lang="en-US" sz="2000" b="1" dirty="0">
-                <a:cs typeface="Courier New" panose="02070309020205020404" pitchFamily="49" charset="0"/>
-              </a:rPr>
-              <a:t>void </a:t>
-            </a:r>
-            <a:r>
-              <a:rPr lang="en-US" sz="2000" b="1" dirty="0" err="1" smtClean="0">
-                <a:cs typeface="Courier New" panose="02070309020205020404" pitchFamily="49" charset="0"/>
-              </a:rPr>
-              <a:t>OnCollisionExit</a:t>
-            </a:r>
-            <a:r>
-              <a:rPr lang="en-US" sz="2000" b="1" dirty="0">
-                <a:cs typeface="Courier New" panose="02070309020205020404" pitchFamily="49" charset="0"/>
-              </a:rPr>
-              <a:t>( Collider other </a:t>
-            </a:r>
-            <a:r>
-              <a:rPr lang="en-US" sz="2000" b="1" dirty="0" smtClean="0">
-                <a:cs typeface="Courier New" panose="02070309020205020404" pitchFamily="49" charset="0"/>
-              </a:rPr>
-              <a:t>)</a:t>
-            </a:r>
-          </a:p>
-          <a:p>
-            <a:pPr marL="203200" indent="0">
-              <a:buNone/>
-            </a:pPr>
-            <a:r>
-              <a:rPr lang="en-US" sz="2000" b="1" dirty="0">
-                <a:cs typeface="Courier New" panose="02070309020205020404" pitchFamily="49" charset="0"/>
-              </a:rPr>
-              <a:t>	</a:t>
-            </a:r>
-            <a:r>
-              <a:rPr lang="en-US" sz="2000" b="1" dirty="0" smtClean="0">
-                <a:cs typeface="Courier New" panose="02070309020205020404" pitchFamily="49" charset="0"/>
-              </a:rPr>
-              <a:t>		</a:t>
-            </a:r>
-            <a:r>
-              <a:rPr lang="en-US" sz="2000" dirty="0"/>
-              <a:t> called when this collider/</a:t>
-            </a:r>
-            <a:r>
-              <a:rPr lang="en-US" sz="2000" dirty="0" err="1"/>
-              <a:t>rigidbody</a:t>
-            </a:r>
-            <a:r>
-              <a:rPr lang="en-US" sz="2000" dirty="0"/>
-              <a:t> has stopped touching </a:t>
-            </a:r>
-            <a:r>
-              <a:rPr lang="en-US" sz="2000" dirty="0" smtClean="0"/>
-              <a:t>				another </a:t>
-            </a:r>
-            <a:r>
-              <a:rPr lang="en-US" sz="2000" dirty="0" err="1"/>
-              <a:t>rigidbody</a:t>
-            </a:r>
-            <a:r>
-              <a:rPr lang="en-US" sz="2000" dirty="0"/>
-              <a:t>/collider.</a:t>
-            </a:r>
-            <a:endParaRPr lang="en-US" sz="2000" b="1" dirty="0">
-              <a:cs typeface="Courier New" panose="02070309020205020404" pitchFamily="49" charset="0"/>
-            </a:endParaRPr>
-          </a:p>
-          <a:p>
-            <a:pPr marL="203200" indent="0">
-              <a:buNone/>
-            </a:pPr>
-            <a:r>
-              <a:rPr lang="en-US" sz="2000" b="1" dirty="0" smtClean="0">
-                <a:cs typeface="Courier New" panose="02070309020205020404" pitchFamily="49" charset="0"/>
-              </a:rPr>
-              <a:t>void </a:t>
-            </a:r>
-            <a:r>
-              <a:rPr lang="en-US" sz="2000" b="1" dirty="0" err="1" smtClean="0">
-                <a:cs typeface="Courier New" panose="02070309020205020404" pitchFamily="49" charset="0"/>
-              </a:rPr>
-              <a:t>OnCollisionStay</a:t>
-            </a:r>
-            <a:r>
-              <a:rPr lang="en-US" sz="2000" b="1" dirty="0" smtClean="0">
-                <a:cs typeface="Courier New" panose="02070309020205020404" pitchFamily="49" charset="0"/>
-              </a:rPr>
-              <a:t>( </a:t>
-            </a:r>
-            <a:r>
-              <a:rPr lang="en-US" sz="2000" b="1" dirty="0">
-                <a:cs typeface="Courier New" panose="02070309020205020404" pitchFamily="49" charset="0"/>
-              </a:rPr>
-              <a:t>Collider other </a:t>
-            </a:r>
-            <a:r>
-              <a:rPr lang="en-US" sz="2000" b="1" dirty="0" smtClean="0">
-                <a:cs typeface="Courier New" panose="02070309020205020404" pitchFamily="49" charset="0"/>
-              </a:rPr>
-              <a:t>)</a:t>
-            </a:r>
-          </a:p>
-          <a:p>
-            <a:pPr marL="203200" indent="0">
-              <a:buNone/>
-            </a:pPr>
-            <a:r>
-              <a:rPr lang="en-US" sz="2000" b="1" dirty="0">
-                <a:cs typeface="Courier New" panose="02070309020205020404" pitchFamily="49" charset="0"/>
-              </a:rPr>
-              <a:t>	</a:t>
-            </a:r>
-            <a:r>
-              <a:rPr lang="en-US" sz="2000" b="1" dirty="0" smtClean="0">
-                <a:cs typeface="Courier New" panose="02070309020205020404" pitchFamily="49" charset="0"/>
-              </a:rPr>
-              <a:t>		</a:t>
-            </a:r>
-            <a:r>
-              <a:rPr lang="en-US" sz="2000" dirty="0"/>
-              <a:t>called once per frame for every collider/</a:t>
-            </a:r>
-            <a:r>
-              <a:rPr lang="en-US" sz="2000" dirty="0" err="1"/>
-              <a:t>rigidbody</a:t>
-            </a:r>
-            <a:r>
-              <a:rPr lang="en-US" sz="2000" dirty="0"/>
-              <a:t> </a:t>
-            </a:r>
-            <a:r>
-              <a:rPr lang="en-US" sz="2000" dirty="0" smtClean="0"/>
-              <a:t>that					 </a:t>
-            </a:r>
-            <a:r>
-              <a:rPr lang="en-US" sz="2000" dirty="0"/>
-              <a:t>is touching </a:t>
-            </a:r>
-            <a:r>
-              <a:rPr lang="en-US" sz="2000" dirty="0" err="1"/>
-              <a:t>rigidbody</a:t>
-            </a:r>
-            <a:r>
-              <a:rPr lang="en-US" sz="2000" dirty="0"/>
-              <a:t>/collider.</a:t>
-            </a:r>
-            <a:endParaRPr lang="en-US" sz="2000" b="1" dirty="0">
-              <a:cs typeface="Courier New" panose="02070309020205020404" pitchFamily="49" charset="0"/>
-            </a:endParaRPr>
-          </a:p>
-          <a:p>
-            <a:pPr marL="203200" indent="0">
-              <a:buNone/>
-            </a:pPr>
-            <a:endParaRPr lang="en-US" sz="2000" dirty="0" smtClean="0">
-              <a:latin typeface="+mn-lt"/>
-              <a:cs typeface="Courier New" panose="02070309020205020404" pitchFamily="49" charset="0"/>
-            </a:endParaRPr>
-          </a:p>
-          <a:p>
-            <a:pPr marL="203200" indent="0">
-              <a:buNone/>
-            </a:pPr>
-            <a:endParaRPr lang="en-US" sz="2000" dirty="0">
-              <a:latin typeface="+mn-lt"/>
-              <a:cs typeface="Courier New" panose="02070309020205020404" pitchFamily="49" charset="0"/>
-            </a:endParaRPr>
-          </a:p>
-        </p:txBody>
-      </p:sp>
-      <p:sp>
-        <p:nvSpPr>
-          <p:cNvPr id="4" name="Text Placeholder 3"/>
-          <p:cNvSpPr>
-            <a:spLocks noGrp="1"/>
-          </p:cNvSpPr>
-          <p:nvPr>
-            <p:ph type="body" idx="2"/>
-          </p:nvPr>
-        </p:nvSpPr>
-        <p:spPr/>
-        <p:txBody>
-          <a:bodyPr/>
-          <a:lstStyle/>
-          <a:p>
-            <a:endParaRPr lang="en-US" dirty="0"/>
-          </a:p>
-        </p:txBody>
-      </p:sp>
-    </p:spTree>
-    <p:extLst>
-      <p:ext uri="{BB962C8B-B14F-4D97-AF65-F5344CB8AC3E}">
-        <p14:creationId xmlns:p14="http://schemas.microsoft.com/office/powerpoint/2010/main" val="2905695700"/>
-      </p:ext>
-    </p:extLst>
-  </p:cSld>
-  <p:clrMapOvr>
-    <a:masterClrMapping/>
-  </p:clrMapOvr>
-  <p:timing>
-    <p:tnLst>
-      <p:par>
-        <p:cTn id="1" dur="indefinite" restart="never" nodeType="tmRoot"/>
-      </p:par>
-    </p:tnLst>
-  </p:timing>
-</p:sld>
-</file>
-
-<file path=ppt/slides/slide16.xml><?xml version="1.0" encoding="utf-8"?>
-<p:sld xmlns:a="http://schemas.openxmlformats.org/drawingml/2006/main" xmlns:r="http://schemas.openxmlformats.org/officeDocument/2006/relationships" xmlns:p="http://schemas.openxmlformats.org/presentationml/2006/main">
-  <p:cSld>
-    <p:spTree>
-      <p:nvGrpSpPr>
-        <p:cNvPr id="1" name=""/>
-        <p:cNvGrpSpPr/>
-        <p:nvPr/>
-      </p:nvGrpSpPr>
-      <p:grpSpPr>
-        <a:xfrm>
-          <a:off x="0" y="0"/>
-          <a:ext cx="0" cy="0"/>
-          <a:chOff x="0" y="0"/>
-          <a:chExt cx="0" cy="0"/>
-        </a:xfrm>
-      </p:grpSpPr>
-      <p:sp>
-        <p:nvSpPr>
-          <p:cNvPr id="2" name="Title 1"/>
-          <p:cNvSpPr>
-            <a:spLocks noGrp="1"/>
-          </p:cNvSpPr>
-          <p:nvPr>
-            <p:ph type="title"/>
-          </p:nvPr>
-        </p:nvSpPr>
-        <p:spPr/>
-        <p:txBody>
-          <a:bodyPr/>
-          <a:lstStyle/>
-          <a:p>
-            <a:r>
-              <a:rPr lang="en-US" dirty="0" smtClean="0"/>
-              <a:t>Collider - Trigger Methods</a:t>
-            </a:r>
-            <a:endParaRPr lang="en-US" dirty="0"/>
-          </a:p>
-        </p:txBody>
-      </p:sp>
-      <p:sp>
-        <p:nvSpPr>
-          <p:cNvPr id="3" name="Text Placeholder 2"/>
-          <p:cNvSpPr>
-            <a:spLocks noGrp="1"/>
-          </p:cNvSpPr>
-          <p:nvPr>
-            <p:ph type="body" idx="1"/>
-          </p:nvPr>
-        </p:nvSpPr>
-        <p:spPr/>
-        <p:txBody>
-          <a:bodyPr>
-            <a:noAutofit/>
-          </a:bodyPr>
-          <a:lstStyle/>
-          <a:p>
-            <a:pPr marL="203200" indent="0">
-              <a:buNone/>
-            </a:pPr>
-            <a:r>
-              <a:rPr lang="en-US" sz="2000" b="1" dirty="0" smtClean="0">
-                <a:cs typeface="Courier New" panose="02070309020205020404" pitchFamily="49" charset="0"/>
-              </a:rPr>
-              <a:t>void </a:t>
-            </a:r>
-            <a:r>
-              <a:rPr lang="en-US" sz="2000" b="1" dirty="0" err="1">
-                <a:cs typeface="Courier New" panose="02070309020205020404" pitchFamily="49" charset="0"/>
-              </a:rPr>
-              <a:t>OnTriggerEnter</a:t>
-            </a:r>
-            <a:r>
-              <a:rPr lang="en-US" sz="2000" b="1" dirty="0">
-                <a:cs typeface="Courier New" panose="02070309020205020404" pitchFamily="49" charset="0"/>
-              </a:rPr>
-              <a:t>( Collider other </a:t>
-            </a:r>
-            <a:r>
-              <a:rPr lang="en-US" sz="2000" b="1" dirty="0" smtClean="0">
-                <a:cs typeface="Courier New" panose="02070309020205020404" pitchFamily="49" charset="0"/>
-              </a:rPr>
-              <a:t>)</a:t>
-            </a:r>
-          </a:p>
-          <a:p>
-            <a:pPr marL="203200" indent="0">
-              <a:buNone/>
-            </a:pPr>
-            <a:r>
-              <a:rPr lang="en-US" sz="2000" dirty="0" smtClean="0"/>
-              <a:t>			</a:t>
-            </a:r>
-            <a:r>
-              <a:rPr lang="en-US" sz="2000" dirty="0"/>
-              <a:t> is called when the Collider other enters the trigger</a:t>
-            </a:r>
-            <a:r>
-              <a:rPr lang="en-US" sz="2000" dirty="0" smtClean="0"/>
-              <a:t>.</a:t>
-            </a:r>
-          </a:p>
-          <a:p>
-            <a:pPr marL="203200" indent="0">
-              <a:buNone/>
-            </a:pPr>
-            <a:r>
-              <a:rPr lang="en-US" sz="2000" b="1" dirty="0" smtClean="0">
-                <a:cs typeface="Courier New" panose="02070309020205020404" pitchFamily="49" charset="0"/>
-              </a:rPr>
-              <a:t>void </a:t>
-            </a:r>
-            <a:r>
-              <a:rPr lang="en-US" sz="2000" b="1" dirty="0" err="1">
-                <a:cs typeface="Courier New" panose="02070309020205020404" pitchFamily="49" charset="0"/>
-              </a:rPr>
-              <a:t>OnTriggerExit</a:t>
-            </a:r>
-            <a:r>
-              <a:rPr lang="en-US" sz="2000" b="1" dirty="0">
-                <a:cs typeface="Courier New" panose="02070309020205020404" pitchFamily="49" charset="0"/>
-              </a:rPr>
-              <a:t>( Collider other </a:t>
-            </a:r>
-            <a:r>
-              <a:rPr lang="en-US" sz="2000" b="1" dirty="0" smtClean="0">
-                <a:cs typeface="Courier New" panose="02070309020205020404" pitchFamily="49" charset="0"/>
-              </a:rPr>
-              <a:t>)</a:t>
-            </a:r>
-          </a:p>
-          <a:p>
-            <a:pPr marL="203200" indent="0">
-              <a:buNone/>
-            </a:pPr>
-            <a:r>
-              <a:rPr lang="en-US" sz="2000" b="1" dirty="0">
-                <a:cs typeface="Courier New" panose="02070309020205020404" pitchFamily="49" charset="0"/>
-              </a:rPr>
-              <a:t>	</a:t>
-            </a:r>
-            <a:r>
-              <a:rPr lang="en-US" sz="2000" b="1" dirty="0" smtClean="0">
-                <a:cs typeface="Courier New" panose="02070309020205020404" pitchFamily="49" charset="0"/>
-              </a:rPr>
-              <a:t>		</a:t>
-            </a:r>
-            <a:r>
-              <a:rPr lang="en-US" sz="2000" dirty="0"/>
-              <a:t> called when the Collider other has stopped </a:t>
-            </a:r>
-            <a:r>
-              <a:rPr lang="en-US" sz="2000" dirty="0" smtClean="0"/>
-              <a:t>								touching </a:t>
-            </a:r>
-            <a:r>
-              <a:rPr lang="en-US" sz="2000" dirty="0"/>
-              <a:t>the trigger</a:t>
-            </a:r>
-            <a:r>
-              <a:rPr lang="en-US" sz="2000" dirty="0" smtClean="0"/>
-              <a:t>.</a:t>
-            </a:r>
-          </a:p>
-          <a:p>
-            <a:pPr marL="203200" indent="0">
-              <a:buNone/>
-            </a:pPr>
-            <a:r>
-              <a:rPr lang="en-US" sz="2000" b="1" dirty="0" smtClean="0">
-                <a:cs typeface="Courier New" panose="02070309020205020404" pitchFamily="49" charset="0"/>
-              </a:rPr>
-              <a:t>void </a:t>
-            </a:r>
-            <a:r>
-              <a:rPr lang="en-US" sz="2000" b="1" dirty="0" err="1" smtClean="0">
-                <a:cs typeface="Courier New" panose="02070309020205020404" pitchFamily="49" charset="0"/>
-              </a:rPr>
-              <a:t>OnTriggerStay</a:t>
-            </a:r>
-            <a:r>
-              <a:rPr lang="en-US" sz="2000" b="1" dirty="0" smtClean="0">
-                <a:cs typeface="Courier New" panose="02070309020205020404" pitchFamily="49" charset="0"/>
-              </a:rPr>
-              <a:t>( </a:t>
-            </a:r>
-            <a:r>
-              <a:rPr lang="en-US" sz="2000" b="1" dirty="0">
-                <a:cs typeface="Courier New" panose="02070309020205020404" pitchFamily="49" charset="0"/>
-              </a:rPr>
-              <a:t>Collider other </a:t>
-            </a:r>
-            <a:r>
-              <a:rPr lang="en-US" sz="2000" b="1" dirty="0" smtClean="0">
-                <a:cs typeface="Courier New" panose="02070309020205020404" pitchFamily="49" charset="0"/>
-              </a:rPr>
-              <a:t>)</a:t>
-            </a:r>
-          </a:p>
-          <a:p>
-            <a:pPr marL="203200" indent="0">
-              <a:buNone/>
-            </a:pPr>
-            <a:r>
-              <a:rPr lang="en-US" sz="2000" b="1" dirty="0">
-                <a:cs typeface="Courier New" panose="02070309020205020404" pitchFamily="49" charset="0"/>
-              </a:rPr>
-              <a:t>	</a:t>
-            </a:r>
-            <a:r>
-              <a:rPr lang="en-US" sz="2000" b="1" dirty="0" smtClean="0">
-                <a:cs typeface="Courier New" panose="02070309020205020404" pitchFamily="49" charset="0"/>
-              </a:rPr>
-              <a:t>		</a:t>
-            </a:r>
-            <a:r>
-              <a:rPr lang="en-US" sz="2000" dirty="0"/>
-              <a:t>called almost all the frames for every Collider other </a:t>
-            </a:r>
-            <a:r>
-              <a:rPr lang="en-US" sz="2000" dirty="0" smtClean="0"/>
-              <a:t>						that </a:t>
-            </a:r>
-            <a:r>
-              <a:rPr lang="en-US" sz="2000" dirty="0"/>
-              <a:t>is touching the trigger.</a:t>
-            </a:r>
-            <a:endParaRPr lang="en-US" sz="2000" dirty="0" smtClean="0">
-              <a:latin typeface="+mn-lt"/>
-              <a:cs typeface="Courier New" panose="02070309020205020404" pitchFamily="49" charset="0"/>
-            </a:endParaRPr>
-          </a:p>
-          <a:p>
-            <a:pPr marL="203200" indent="0">
-              <a:buNone/>
-            </a:pPr>
-            <a:endParaRPr lang="en-US" sz="2000" dirty="0">
-              <a:latin typeface="+mn-lt"/>
-              <a:cs typeface="Courier New" panose="02070309020205020404" pitchFamily="49" charset="0"/>
-            </a:endParaRPr>
-          </a:p>
-        </p:txBody>
-      </p:sp>
-      <p:sp>
-        <p:nvSpPr>
-          <p:cNvPr id="4" name="Text Placeholder 3"/>
-          <p:cNvSpPr>
-            <a:spLocks noGrp="1"/>
-          </p:cNvSpPr>
-          <p:nvPr>
-            <p:ph type="body" idx="2"/>
-          </p:nvPr>
-        </p:nvSpPr>
-        <p:spPr/>
-        <p:txBody>
-          <a:bodyPr/>
-          <a:lstStyle/>
-          <a:p>
-            <a:endParaRPr lang="en-US" dirty="0"/>
-          </a:p>
-        </p:txBody>
-      </p:sp>
-    </p:spTree>
-    <p:extLst>
-      <p:ext uri="{BB962C8B-B14F-4D97-AF65-F5344CB8AC3E}">
-        <p14:creationId xmlns:p14="http://schemas.microsoft.com/office/powerpoint/2010/main" val="3507649216"/>
-      </p:ext>
-    </p:extLst>
-  </p:cSld>
-  <p:clrMapOvr>
-    <a:masterClrMapping/>
-  </p:clrMapOvr>
-  <p:timing>
-    <p:tnLst>
-      <p:par>
-        <p:cTn id="1" dur="indefinite" restart="never" nodeType="tmRoot"/>
-      </p:par>
-    </p:tnLst>
-  </p:timing>
-</p:sld>
-</file>
-
-<file path=ppt/slides/slide17.xml><?xml version="1.0" encoding="utf-8"?>
-<p:sld xmlns:a="http://schemas.openxmlformats.org/drawingml/2006/main" xmlns:r="http://schemas.openxmlformats.org/officeDocument/2006/relationships" xmlns:p="http://schemas.openxmlformats.org/presentationml/2006/main">
-  <p:cSld>
-    <p:spTree>
-      <p:nvGrpSpPr>
-        <p:cNvPr id="1" name=""/>
-        <p:cNvGrpSpPr/>
-        <p:nvPr/>
-      </p:nvGrpSpPr>
-      <p:grpSpPr>
-        <a:xfrm>
-          <a:off x="0" y="0"/>
-          <a:ext cx="0" cy="0"/>
-          <a:chOff x="0" y="0"/>
-          <a:chExt cx="0" cy="0"/>
-        </a:xfrm>
-      </p:grpSpPr>
-      <p:sp>
-        <p:nvSpPr>
-          <p:cNvPr id="2" name="Title 1"/>
-          <p:cNvSpPr>
-            <a:spLocks noGrp="1"/>
-          </p:cNvSpPr>
-          <p:nvPr>
-            <p:ph type="title"/>
-          </p:nvPr>
-        </p:nvSpPr>
-        <p:spPr/>
-        <p:txBody>
-          <a:bodyPr/>
-          <a:lstStyle/>
-          <a:p>
-            <a:r>
-              <a:rPr lang="en-US" dirty="0" smtClean="0"/>
-              <a:t>I have a Collider, Now </a:t>
-            </a:r>
-            <a:r>
-              <a:rPr lang="en-US" dirty="0"/>
-              <a:t>W</a:t>
-            </a:r>
-            <a:r>
-              <a:rPr lang="en-US" dirty="0" smtClean="0"/>
-              <a:t>hat?</a:t>
-            </a:r>
-            <a:endParaRPr lang="en-US" dirty="0"/>
-          </a:p>
-        </p:txBody>
-      </p:sp>
-      <p:sp>
-        <p:nvSpPr>
-          <p:cNvPr id="3" name="Text Placeholder 2"/>
-          <p:cNvSpPr>
-            <a:spLocks noGrp="1"/>
-          </p:cNvSpPr>
-          <p:nvPr>
-            <p:ph type="body" idx="1"/>
-          </p:nvPr>
-        </p:nvSpPr>
-        <p:spPr/>
-        <p:txBody>
-          <a:bodyPr>
-            <a:noAutofit/>
-          </a:bodyPr>
-          <a:lstStyle/>
-          <a:p>
-            <a:pPr marL="203200" indent="0">
-              <a:buNone/>
-            </a:pPr>
-            <a:r>
-              <a:rPr lang="en-US" sz="2000" b="1" dirty="0" smtClean="0">
-                <a:latin typeface="+mn-lt"/>
-                <a:cs typeface="Courier New" panose="02070309020205020404" pitchFamily="49" charset="0"/>
-              </a:rPr>
-              <a:t>Both the Trigger and Collision Methods have a collider that is passed to it when the method is called. </a:t>
-            </a:r>
-          </a:p>
-          <a:p>
-            <a:pPr marL="203200" indent="0">
-              <a:buNone/>
-            </a:pPr>
-            <a:endParaRPr lang="en-US" sz="2000" b="1" dirty="0" smtClean="0">
-              <a:latin typeface="+mn-lt"/>
-              <a:cs typeface="Courier New" panose="02070309020205020404" pitchFamily="49" charset="0"/>
-            </a:endParaRPr>
-          </a:p>
-          <a:p>
-            <a:pPr marL="203200" indent="0">
-              <a:buNone/>
-            </a:pPr>
-            <a:r>
-              <a:rPr lang="en-US" sz="2000" b="1" dirty="0" smtClean="0">
-                <a:latin typeface="+mn-lt"/>
-                <a:cs typeface="Courier New" panose="02070309020205020404" pitchFamily="49" charset="0"/>
-              </a:rPr>
-              <a:t>There’s some functionality on the collider already provided, but not everything. For all of this, use the </a:t>
-            </a:r>
-            <a:r>
-              <a:rPr lang="en-US" sz="2000" b="1" i="1" dirty="0" err="1" smtClean="0">
-                <a:latin typeface="+mn-lt"/>
-                <a:cs typeface="Courier New" panose="02070309020205020404" pitchFamily="49" charset="0"/>
-              </a:rPr>
-              <a:t>gameObject</a:t>
-            </a:r>
-            <a:r>
-              <a:rPr lang="en-US" sz="2000" b="1" i="1" dirty="0" smtClean="0">
-                <a:latin typeface="+mn-lt"/>
-                <a:cs typeface="Courier New" panose="02070309020205020404" pitchFamily="49" charset="0"/>
-              </a:rPr>
-              <a:t> reference. </a:t>
-            </a:r>
-          </a:p>
-          <a:p>
-            <a:pPr marL="203200" indent="0">
-              <a:buNone/>
-            </a:pPr>
-            <a:endParaRPr lang="en-US" sz="2000" b="1" i="1" dirty="0">
-              <a:latin typeface="+mn-lt"/>
-              <a:cs typeface="Courier New" panose="02070309020205020404" pitchFamily="49" charset="0"/>
-            </a:endParaRPr>
-          </a:p>
-          <a:p>
-            <a:pPr marL="203200" indent="0">
-              <a:buNone/>
-            </a:pPr>
-            <a:r>
-              <a:rPr lang="en-US" sz="2000" b="1" i="1" dirty="0" smtClean="0">
-                <a:latin typeface="+mn-lt"/>
-                <a:cs typeface="Courier New" panose="02070309020205020404" pitchFamily="49" charset="0"/>
-              </a:rPr>
-              <a:t>Example: </a:t>
-            </a:r>
-          </a:p>
-          <a:p>
-            <a:pPr marL="203200" indent="0">
-              <a:buNone/>
-            </a:pPr>
-            <a:r>
-              <a:rPr lang="en-US" sz="2000" b="1" i="1" dirty="0">
-                <a:cs typeface="Courier New" panose="02070309020205020404" pitchFamily="49" charset="0"/>
-              </a:rPr>
-              <a:t>	</a:t>
-            </a:r>
-            <a:r>
-              <a:rPr lang="en-US" sz="2000" b="1" i="1" dirty="0" smtClean="0">
-                <a:cs typeface="Courier New" panose="02070309020205020404" pitchFamily="49" charset="0"/>
-              </a:rPr>
-              <a:t>		</a:t>
-            </a:r>
-            <a:r>
-              <a:rPr lang="en-US" sz="2000" b="1" dirty="0" smtClean="0">
-                <a:latin typeface="Courier New" panose="02070309020205020404" pitchFamily="49" charset="0"/>
-                <a:cs typeface="Courier New" panose="02070309020205020404" pitchFamily="49" charset="0"/>
-              </a:rPr>
-              <a:t>other.gameObject.name</a:t>
-            </a:r>
-            <a:endParaRPr lang="en-US" sz="2000" b="1" dirty="0">
-              <a:latin typeface="Courier New" panose="02070309020205020404" pitchFamily="49" charset="0"/>
-              <a:cs typeface="Courier New" panose="02070309020205020404" pitchFamily="49" charset="0"/>
-            </a:endParaRPr>
-          </a:p>
-          <a:p>
-            <a:pPr marL="203200" indent="0">
-              <a:buNone/>
-            </a:pPr>
-            <a:endParaRPr lang="en-US" sz="2000" dirty="0">
-              <a:latin typeface="+mn-lt"/>
-              <a:cs typeface="Courier New" panose="02070309020205020404" pitchFamily="49" charset="0"/>
-            </a:endParaRPr>
-          </a:p>
-        </p:txBody>
-      </p:sp>
-      <p:sp>
-        <p:nvSpPr>
-          <p:cNvPr id="4" name="Text Placeholder 3"/>
-          <p:cNvSpPr>
-            <a:spLocks noGrp="1"/>
-          </p:cNvSpPr>
-          <p:nvPr>
-            <p:ph type="body" idx="2"/>
-          </p:nvPr>
-        </p:nvSpPr>
-        <p:spPr/>
-        <p:txBody>
-          <a:bodyPr/>
-          <a:lstStyle/>
-          <a:p>
-            <a:endParaRPr lang="en-US" dirty="0"/>
-          </a:p>
-        </p:txBody>
-      </p:sp>
-    </p:spTree>
-    <p:extLst>
-      <p:ext uri="{BB962C8B-B14F-4D97-AF65-F5344CB8AC3E}">
-        <p14:creationId xmlns:p14="http://schemas.microsoft.com/office/powerpoint/2010/main" val="704547762"/>
       </p:ext>
     </p:extLst>
   </p:cSld>
@@ -12019,6 +12469,913 @@
     <p:extLst>
       <p:ext uri="{BB962C8B-B14F-4D97-AF65-F5344CB8AC3E}">
         <p14:creationId xmlns:p14="http://schemas.microsoft.com/office/powerpoint/2010/main" val="4128752854"/>
+      </p:ext>
+    </p:extLst>
+  </p:cSld>
+  <p:clrMapOvr>
+    <a:masterClrMapping/>
+  </p:clrMapOvr>
+  <p:timing>
+    <p:tnLst>
+      <p:par>
+        <p:cTn id="1" dur="indefinite" restart="never" nodeType="tmRoot"/>
+      </p:par>
+    </p:tnLst>
+  </p:timing>
+</p:sld>
+</file>
+
+<file path=ppt/slides/slide20.xml><?xml version="1.0" encoding="utf-8"?>
+<p:sld xmlns:a="http://schemas.openxmlformats.org/drawingml/2006/main" xmlns:r="http://schemas.openxmlformats.org/officeDocument/2006/relationships" xmlns:p="http://schemas.openxmlformats.org/presentationml/2006/main">
+  <p:cSld>
+    <p:spTree>
+      <p:nvGrpSpPr>
+        <p:cNvPr id="1" name=""/>
+        <p:cNvGrpSpPr/>
+        <p:nvPr/>
+      </p:nvGrpSpPr>
+      <p:grpSpPr>
+        <a:xfrm>
+          <a:off x="0" y="0"/>
+          <a:ext cx="0" cy="0"/>
+          <a:chOff x="0" y="0"/>
+          <a:chExt cx="0" cy="0"/>
+        </a:xfrm>
+      </p:grpSpPr>
+      <p:sp>
+        <p:nvSpPr>
+          <p:cNvPr id="2" name="Title 1"/>
+          <p:cNvSpPr>
+            <a:spLocks noGrp="1"/>
+          </p:cNvSpPr>
+          <p:nvPr>
+            <p:ph type="title"/>
+          </p:nvPr>
+        </p:nvSpPr>
+        <p:spPr/>
+        <p:txBody>
+          <a:bodyPr/>
+          <a:lstStyle/>
+          <a:p>
+            <a:r>
+              <a:rPr lang="en-US" dirty="0" smtClean="0"/>
+              <a:t>Collider - Collision Methods</a:t>
+            </a:r>
+            <a:endParaRPr lang="en-US" dirty="0"/>
+          </a:p>
+        </p:txBody>
+      </p:sp>
+      <p:sp>
+        <p:nvSpPr>
+          <p:cNvPr id="3" name="Text Placeholder 2"/>
+          <p:cNvSpPr>
+            <a:spLocks noGrp="1"/>
+          </p:cNvSpPr>
+          <p:nvPr>
+            <p:ph type="body" idx="1"/>
+          </p:nvPr>
+        </p:nvSpPr>
+        <p:spPr/>
+        <p:txBody>
+          <a:bodyPr>
+            <a:noAutofit/>
+          </a:bodyPr>
+          <a:lstStyle/>
+          <a:p>
+            <a:pPr marL="203200" indent="0">
+              <a:buNone/>
+            </a:pPr>
+            <a:r>
+              <a:rPr lang="en-US" sz="2000" b="1" dirty="0" smtClean="0">
+                <a:cs typeface="Courier New" panose="02070309020205020404" pitchFamily="49" charset="0"/>
+              </a:rPr>
+              <a:t>void </a:t>
+            </a:r>
+            <a:r>
+              <a:rPr lang="en-US" sz="2000" b="1" dirty="0" err="1" smtClean="0">
+                <a:cs typeface="Courier New" panose="02070309020205020404" pitchFamily="49" charset="0"/>
+              </a:rPr>
+              <a:t>OnCollisionEnter</a:t>
+            </a:r>
+            <a:r>
+              <a:rPr lang="en-US" sz="2000" b="1" dirty="0">
+                <a:cs typeface="Courier New" panose="02070309020205020404" pitchFamily="49" charset="0"/>
+              </a:rPr>
+              <a:t>( Collider other </a:t>
+            </a:r>
+            <a:r>
+              <a:rPr lang="en-US" sz="2000" b="1" dirty="0" smtClean="0">
+                <a:cs typeface="Courier New" panose="02070309020205020404" pitchFamily="49" charset="0"/>
+              </a:rPr>
+              <a:t>)</a:t>
+            </a:r>
+          </a:p>
+          <a:p>
+            <a:pPr marL="203200" indent="0">
+              <a:buNone/>
+            </a:pPr>
+            <a:r>
+              <a:rPr lang="en-US" sz="2000" dirty="0" smtClean="0"/>
+              <a:t>			Called </a:t>
+            </a:r>
+            <a:r>
+              <a:rPr lang="en-US" sz="2000" dirty="0"/>
+              <a:t>when this collider/</a:t>
+            </a:r>
+            <a:r>
+              <a:rPr lang="en-US" sz="2000" dirty="0" err="1"/>
+              <a:t>rigidbody</a:t>
+            </a:r>
+            <a:r>
+              <a:rPr lang="en-US" sz="2000" dirty="0"/>
+              <a:t> has begun touching </a:t>
+            </a:r>
+            <a:r>
+              <a:rPr lang="en-US" sz="2000" dirty="0" smtClean="0"/>
+              <a:t>					another </a:t>
+            </a:r>
+            <a:r>
+              <a:rPr lang="en-US" sz="2000" dirty="0" err="1"/>
+              <a:t>rigidbody</a:t>
+            </a:r>
+            <a:r>
+              <a:rPr lang="en-US" sz="2000" dirty="0"/>
+              <a:t>/collider.</a:t>
+            </a:r>
+            <a:endParaRPr lang="en-US" sz="2000" b="1" dirty="0">
+              <a:cs typeface="Courier New" panose="02070309020205020404" pitchFamily="49" charset="0"/>
+            </a:endParaRPr>
+          </a:p>
+          <a:p>
+            <a:pPr marL="203200" indent="0">
+              <a:buNone/>
+            </a:pPr>
+            <a:r>
+              <a:rPr lang="en-US" sz="2000" b="1" dirty="0">
+                <a:cs typeface="Courier New" panose="02070309020205020404" pitchFamily="49" charset="0"/>
+              </a:rPr>
+              <a:t>void </a:t>
+            </a:r>
+            <a:r>
+              <a:rPr lang="en-US" sz="2000" b="1" dirty="0" err="1" smtClean="0">
+                <a:cs typeface="Courier New" panose="02070309020205020404" pitchFamily="49" charset="0"/>
+              </a:rPr>
+              <a:t>OnCollisionExit</a:t>
+            </a:r>
+            <a:r>
+              <a:rPr lang="en-US" sz="2000" b="1" dirty="0">
+                <a:cs typeface="Courier New" panose="02070309020205020404" pitchFamily="49" charset="0"/>
+              </a:rPr>
+              <a:t>( Collider other </a:t>
+            </a:r>
+            <a:r>
+              <a:rPr lang="en-US" sz="2000" b="1" dirty="0" smtClean="0">
+                <a:cs typeface="Courier New" panose="02070309020205020404" pitchFamily="49" charset="0"/>
+              </a:rPr>
+              <a:t>)</a:t>
+            </a:r>
+          </a:p>
+          <a:p>
+            <a:pPr marL="203200" indent="0">
+              <a:buNone/>
+            </a:pPr>
+            <a:r>
+              <a:rPr lang="en-US" sz="2000" b="1" dirty="0">
+                <a:cs typeface="Courier New" panose="02070309020205020404" pitchFamily="49" charset="0"/>
+              </a:rPr>
+              <a:t>	</a:t>
+            </a:r>
+            <a:r>
+              <a:rPr lang="en-US" sz="2000" b="1" dirty="0" smtClean="0">
+                <a:cs typeface="Courier New" panose="02070309020205020404" pitchFamily="49" charset="0"/>
+              </a:rPr>
+              <a:t>		</a:t>
+            </a:r>
+            <a:r>
+              <a:rPr lang="en-US" sz="2000" dirty="0"/>
+              <a:t> called when this collider/</a:t>
+            </a:r>
+            <a:r>
+              <a:rPr lang="en-US" sz="2000" dirty="0" err="1"/>
+              <a:t>rigidbody</a:t>
+            </a:r>
+            <a:r>
+              <a:rPr lang="en-US" sz="2000" dirty="0"/>
+              <a:t> has stopped touching </a:t>
+            </a:r>
+            <a:r>
+              <a:rPr lang="en-US" sz="2000" dirty="0" smtClean="0"/>
+              <a:t>				another </a:t>
+            </a:r>
+            <a:r>
+              <a:rPr lang="en-US" sz="2000" dirty="0" err="1"/>
+              <a:t>rigidbody</a:t>
+            </a:r>
+            <a:r>
+              <a:rPr lang="en-US" sz="2000" dirty="0"/>
+              <a:t>/collider.</a:t>
+            </a:r>
+            <a:endParaRPr lang="en-US" sz="2000" b="1" dirty="0">
+              <a:cs typeface="Courier New" panose="02070309020205020404" pitchFamily="49" charset="0"/>
+            </a:endParaRPr>
+          </a:p>
+          <a:p>
+            <a:pPr marL="203200" indent="0">
+              <a:buNone/>
+            </a:pPr>
+            <a:r>
+              <a:rPr lang="en-US" sz="2000" b="1" dirty="0" smtClean="0">
+                <a:cs typeface="Courier New" panose="02070309020205020404" pitchFamily="49" charset="0"/>
+              </a:rPr>
+              <a:t>void </a:t>
+            </a:r>
+            <a:r>
+              <a:rPr lang="en-US" sz="2000" b="1" dirty="0" err="1" smtClean="0">
+                <a:cs typeface="Courier New" panose="02070309020205020404" pitchFamily="49" charset="0"/>
+              </a:rPr>
+              <a:t>OnCollisionStay</a:t>
+            </a:r>
+            <a:r>
+              <a:rPr lang="en-US" sz="2000" b="1" dirty="0" smtClean="0">
+                <a:cs typeface="Courier New" panose="02070309020205020404" pitchFamily="49" charset="0"/>
+              </a:rPr>
+              <a:t>( </a:t>
+            </a:r>
+            <a:r>
+              <a:rPr lang="en-US" sz="2000" b="1" dirty="0">
+                <a:cs typeface="Courier New" panose="02070309020205020404" pitchFamily="49" charset="0"/>
+              </a:rPr>
+              <a:t>Collider other </a:t>
+            </a:r>
+            <a:r>
+              <a:rPr lang="en-US" sz="2000" b="1" dirty="0" smtClean="0">
+                <a:cs typeface="Courier New" panose="02070309020205020404" pitchFamily="49" charset="0"/>
+              </a:rPr>
+              <a:t>)</a:t>
+            </a:r>
+          </a:p>
+          <a:p>
+            <a:pPr marL="203200" indent="0">
+              <a:buNone/>
+            </a:pPr>
+            <a:r>
+              <a:rPr lang="en-US" sz="2000" b="1" dirty="0">
+                <a:cs typeface="Courier New" panose="02070309020205020404" pitchFamily="49" charset="0"/>
+              </a:rPr>
+              <a:t>	</a:t>
+            </a:r>
+            <a:r>
+              <a:rPr lang="en-US" sz="2000" b="1" dirty="0" smtClean="0">
+                <a:cs typeface="Courier New" panose="02070309020205020404" pitchFamily="49" charset="0"/>
+              </a:rPr>
+              <a:t>		</a:t>
+            </a:r>
+            <a:r>
+              <a:rPr lang="en-US" sz="2000" dirty="0"/>
+              <a:t>called once per frame for every collider/</a:t>
+            </a:r>
+            <a:r>
+              <a:rPr lang="en-US" sz="2000" dirty="0" err="1"/>
+              <a:t>rigidbody</a:t>
+            </a:r>
+            <a:r>
+              <a:rPr lang="en-US" sz="2000" dirty="0"/>
+              <a:t> </a:t>
+            </a:r>
+            <a:r>
+              <a:rPr lang="en-US" sz="2000" dirty="0" smtClean="0"/>
+              <a:t>that					 </a:t>
+            </a:r>
+            <a:r>
+              <a:rPr lang="en-US" sz="2000" dirty="0"/>
+              <a:t>is touching </a:t>
+            </a:r>
+            <a:r>
+              <a:rPr lang="en-US" sz="2000" dirty="0" err="1"/>
+              <a:t>rigidbody</a:t>
+            </a:r>
+            <a:r>
+              <a:rPr lang="en-US" sz="2000" dirty="0"/>
+              <a:t>/collider.</a:t>
+            </a:r>
+            <a:endParaRPr lang="en-US" sz="2000" b="1" dirty="0">
+              <a:cs typeface="Courier New" panose="02070309020205020404" pitchFamily="49" charset="0"/>
+            </a:endParaRPr>
+          </a:p>
+          <a:p>
+            <a:pPr marL="203200" indent="0">
+              <a:buNone/>
+            </a:pPr>
+            <a:endParaRPr lang="en-US" sz="2000" dirty="0" smtClean="0">
+              <a:latin typeface="+mn-lt"/>
+              <a:cs typeface="Courier New" panose="02070309020205020404" pitchFamily="49" charset="0"/>
+            </a:endParaRPr>
+          </a:p>
+          <a:p>
+            <a:pPr marL="203200" indent="0">
+              <a:buNone/>
+            </a:pPr>
+            <a:endParaRPr lang="en-US" sz="2000" dirty="0">
+              <a:latin typeface="+mn-lt"/>
+              <a:cs typeface="Courier New" panose="02070309020205020404" pitchFamily="49" charset="0"/>
+            </a:endParaRPr>
+          </a:p>
+        </p:txBody>
+      </p:sp>
+      <p:sp>
+        <p:nvSpPr>
+          <p:cNvPr id="4" name="Text Placeholder 3"/>
+          <p:cNvSpPr>
+            <a:spLocks noGrp="1"/>
+          </p:cNvSpPr>
+          <p:nvPr>
+            <p:ph type="body" idx="2"/>
+          </p:nvPr>
+        </p:nvSpPr>
+        <p:spPr/>
+        <p:txBody>
+          <a:bodyPr/>
+          <a:lstStyle/>
+          <a:p>
+            <a:endParaRPr lang="en-US" dirty="0"/>
+          </a:p>
+        </p:txBody>
+      </p:sp>
+    </p:spTree>
+    <p:extLst>
+      <p:ext uri="{BB962C8B-B14F-4D97-AF65-F5344CB8AC3E}">
+        <p14:creationId xmlns:p14="http://schemas.microsoft.com/office/powerpoint/2010/main" val="2905695700"/>
+      </p:ext>
+    </p:extLst>
+  </p:cSld>
+  <p:clrMapOvr>
+    <a:masterClrMapping/>
+  </p:clrMapOvr>
+  <p:timing>
+    <p:tnLst>
+      <p:par>
+        <p:cTn id="1" dur="indefinite" restart="never" nodeType="tmRoot"/>
+      </p:par>
+    </p:tnLst>
+  </p:timing>
+</p:sld>
+</file>
+
+<file path=ppt/slides/slide21.xml><?xml version="1.0" encoding="utf-8"?>
+<p:sld xmlns:a="http://schemas.openxmlformats.org/drawingml/2006/main" xmlns:r="http://schemas.openxmlformats.org/officeDocument/2006/relationships" xmlns:p="http://schemas.openxmlformats.org/presentationml/2006/main">
+  <p:cSld>
+    <p:spTree>
+      <p:nvGrpSpPr>
+        <p:cNvPr id="1" name=""/>
+        <p:cNvGrpSpPr/>
+        <p:nvPr/>
+      </p:nvGrpSpPr>
+      <p:grpSpPr>
+        <a:xfrm>
+          <a:off x="0" y="0"/>
+          <a:ext cx="0" cy="0"/>
+          <a:chOff x="0" y="0"/>
+          <a:chExt cx="0" cy="0"/>
+        </a:xfrm>
+      </p:grpSpPr>
+      <p:sp>
+        <p:nvSpPr>
+          <p:cNvPr id="2" name="Title 1"/>
+          <p:cNvSpPr>
+            <a:spLocks noGrp="1"/>
+          </p:cNvSpPr>
+          <p:nvPr>
+            <p:ph type="title"/>
+          </p:nvPr>
+        </p:nvSpPr>
+        <p:spPr/>
+        <p:txBody>
+          <a:bodyPr/>
+          <a:lstStyle/>
+          <a:p>
+            <a:r>
+              <a:rPr lang="en-US" dirty="0" smtClean="0"/>
+              <a:t>Collider - Trigger Methods</a:t>
+            </a:r>
+            <a:endParaRPr lang="en-US" dirty="0"/>
+          </a:p>
+        </p:txBody>
+      </p:sp>
+      <p:sp>
+        <p:nvSpPr>
+          <p:cNvPr id="3" name="Text Placeholder 2"/>
+          <p:cNvSpPr>
+            <a:spLocks noGrp="1"/>
+          </p:cNvSpPr>
+          <p:nvPr>
+            <p:ph type="body" idx="1"/>
+          </p:nvPr>
+        </p:nvSpPr>
+        <p:spPr/>
+        <p:txBody>
+          <a:bodyPr>
+            <a:noAutofit/>
+          </a:bodyPr>
+          <a:lstStyle/>
+          <a:p>
+            <a:pPr marL="203200" indent="0">
+              <a:buNone/>
+            </a:pPr>
+            <a:r>
+              <a:rPr lang="en-US" sz="2000" b="1" dirty="0" smtClean="0">
+                <a:cs typeface="Courier New" panose="02070309020205020404" pitchFamily="49" charset="0"/>
+              </a:rPr>
+              <a:t>void </a:t>
+            </a:r>
+            <a:r>
+              <a:rPr lang="en-US" sz="2000" b="1" dirty="0" err="1">
+                <a:cs typeface="Courier New" panose="02070309020205020404" pitchFamily="49" charset="0"/>
+              </a:rPr>
+              <a:t>OnTriggerEnter</a:t>
+            </a:r>
+            <a:r>
+              <a:rPr lang="en-US" sz="2000" b="1" dirty="0">
+                <a:cs typeface="Courier New" panose="02070309020205020404" pitchFamily="49" charset="0"/>
+              </a:rPr>
+              <a:t>( Collider other </a:t>
+            </a:r>
+            <a:r>
+              <a:rPr lang="en-US" sz="2000" b="1" dirty="0" smtClean="0">
+                <a:cs typeface="Courier New" panose="02070309020205020404" pitchFamily="49" charset="0"/>
+              </a:rPr>
+              <a:t>)</a:t>
+            </a:r>
+          </a:p>
+          <a:p>
+            <a:pPr marL="203200" indent="0">
+              <a:buNone/>
+            </a:pPr>
+            <a:r>
+              <a:rPr lang="en-US" sz="2000" dirty="0" smtClean="0"/>
+              <a:t>			</a:t>
+            </a:r>
+            <a:r>
+              <a:rPr lang="en-US" sz="2000" dirty="0"/>
+              <a:t> is called when the Collider other enters the trigger</a:t>
+            </a:r>
+            <a:r>
+              <a:rPr lang="en-US" sz="2000" dirty="0" smtClean="0"/>
+              <a:t>.</a:t>
+            </a:r>
+          </a:p>
+          <a:p>
+            <a:pPr marL="203200" indent="0">
+              <a:buNone/>
+            </a:pPr>
+            <a:r>
+              <a:rPr lang="en-US" sz="2000" b="1" dirty="0" smtClean="0">
+                <a:cs typeface="Courier New" panose="02070309020205020404" pitchFamily="49" charset="0"/>
+              </a:rPr>
+              <a:t>void </a:t>
+            </a:r>
+            <a:r>
+              <a:rPr lang="en-US" sz="2000" b="1" dirty="0" err="1">
+                <a:cs typeface="Courier New" panose="02070309020205020404" pitchFamily="49" charset="0"/>
+              </a:rPr>
+              <a:t>OnTriggerExit</a:t>
+            </a:r>
+            <a:r>
+              <a:rPr lang="en-US" sz="2000" b="1" dirty="0">
+                <a:cs typeface="Courier New" panose="02070309020205020404" pitchFamily="49" charset="0"/>
+              </a:rPr>
+              <a:t>( Collider other </a:t>
+            </a:r>
+            <a:r>
+              <a:rPr lang="en-US" sz="2000" b="1" dirty="0" smtClean="0">
+                <a:cs typeface="Courier New" panose="02070309020205020404" pitchFamily="49" charset="0"/>
+              </a:rPr>
+              <a:t>)</a:t>
+            </a:r>
+          </a:p>
+          <a:p>
+            <a:pPr marL="203200" indent="0">
+              <a:buNone/>
+            </a:pPr>
+            <a:r>
+              <a:rPr lang="en-US" sz="2000" b="1" dirty="0">
+                <a:cs typeface="Courier New" panose="02070309020205020404" pitchFamily="49" charset="0"/>
+              </a:rPr>
+              <a:t>	</a:t>
+            </a:r>
+            <a:r>
+              <a:rPr lang="en-US" sz="2000" b="1" dirty="0" smtClean="0">
+                <a:cs typeface="Courier New" panose="02070309020205020404" pitchFamily="49" charset="0"/>
+              </a:rPr>
+              <a:t>		</a:t>
+            </a:r>
+            <a:r>
+              <a:rPr lang="en-US" sz="2000" dirty="0"/>
+              <a:t> called when the Collider other has stopped </a:t>
+            </a:r>
+            <a:r>
+              <a:rPr lang="en-US" sz="2000" dirty="0" smtClean="0"/>
+              <a:t>								touching </a:t>
+            </a:r>
+            <a:r>
+              <a:rPr lang="en-US" sz="2000" dirty="0"/>
+              <a:t>the trigger</a:t>
+            </a:r>
+            <a:r>
+              <a:rPr lang="en-US" sz="2000" dirty="0" smtClean="0"/>
+              <a:t>.</a:t>
+            </a:r>
+          </a:p>
+          <a:p>
+            <a:pPr marL="203200" indent="0">
+              <a:buNone/>
+            </a:pPr>
+            <a:r>
+              <a:rPr lang="en-US" sz="2000" b="1" dirty="0" smtClean="0">
+                <a:cs typeface="Courier New" panose="02070309020205020404" pitchFamily="49" charset="0"/>
+              </a:rPr>
+              <a:t>void </a:t>
+            </a:r>
+            <a:r>
+              <a:rPr lang="en-US" sz="2000" b="1" dirty="0" err="1" smtClean="0">
+                <a:cs typeface="Courier New" panose="02070309020205020404" pitchFamily="49" charset="0"/>
+              </a:rPr>
+              <a:t>OnTriggerStay</a:t>
+            </a:r>
+            <a:r>
+              <a:rPr lang="en-US" sz="2000" b="1" dirty="0" smtClean="0">
+                <a:cs typeface="Courier New" panose="02070309020205020404" pitchFamily="49" charset="0"/>
+              </a:rPr>
+              <a:t>( </a:t>
+            </a:r>
+            <a:r>
+              <a:rPr lang="en-US" sz="2000" b="1" dirty="0">
+                <a:cs typeface="Courier New" panose="02070309020205020404" pitchFamily="49" charset="0"/>
+              </a:rPr>
+              <a:t>Collider other </a:t>
+            </a:r>
+            <a:r>
+              <a:rPr lang="en-US" sz="2000" b="1" dirty="0" smtClean="0">
+                <a:cs typeface="Courier New" panose="02070309020205020404" pitchFamily="49" charset="0"/>
+              </a:rPr>
+              <a:t>)</a:t>
+            </a:r>
+          </a:p>
+          <a:p>
+            <a:pPr marL="203200" indent="0">
+              <a:buNone/>
+            </a:pPr>
+            <a:r>
+              <a:rPr lang="en-US" sz="2000" b="1" dirty="0">
+                <a:cs typeface="Courier New" panose="02070309020205020404" pitchFamily="49" charset="0"/>
+              </a:rPr>
+              <a:t>	</a:t>
+            </a:r>
+            <a:r>
+              <a:rPr lang="en-US" sz="2000" b="1" dirty="0" smtClean="0">
+                <a:cs typeface="Courier New" panose="02070309020205020404" pitchFamily="49" charset="0"/>
+              </a:rPr>
+              <a:t>		</a:t>
+            </a:r>
+            <a:r>
+              <a:rPr lang="en-US" sz="2000" dirty="0"/>
+              <a:t>called almost all the frames for every Collider other </a:t>
+            </a:r>
+            <a:r>
+              <a:rPr lang="en-US" sz="2000" dirty="0" smtClean="0"/>
+              <a:t>						that </a:t>
+            </a:r>
+            <a:r>
+              <a:rPr lang="en-US" sz="2000" dirty="0"/>
+              <a:t>is touching the trigger.</a:t>
+            </a:r>
+            <a:endParaRPr lang="en-US" sz="2000" dirty="0" smtClean="0">
+              <a:latin typeface="+mn-lt"/>
+              <a:cs typeface="Courier New" panose="02070309020205020404" pitchFamily="49" charset="0"/>
+            </a:endParaRPr>
+          </a:p>
+          <a:p>
+            <a:pPr marL="203200" indent="0">
+              <a:buNone/>
+            </a:pPr>
+            <a:endParaRPr lang="en-US" sz="2000" dirty="0">
+              <a:latin typeface="+mn-lt"/>
+              <a:cs typeface="Courier New" panose="02070309020205020404" pitchFamily="49" charset="0"/>
+            </a:endParaRPr>
+          </a:p>
+        </p:txBody>
+      </p:sp>
+      <p:sp>
+        <p:nvSpPr>
+          <p:cNvPr id="4" name="Text Placeholder 3"/>
+          <p:cNvSpPr>
+            <a:spLocks noGrp="1"/>
+          </p:cNvSpPr>
+          <p:nvPr>
+            <p:ph type="body" idx="2"/>
+          </p:nvPr>
+        </p:nvSpPr>
+        <p:spPr/>
+        <p:txBody>
+          <a:bodyPr/>
+          <a:lstStyle/>
+          <a:p>
+            <a:endParaRPr lang="en-US" dirty="0"/>
+          </a:p>
+        </p:txBody>
+      </p:sp>
+    </p:spTree>
+    <p:extLst>
+      <p:ext uri="{BB962C8B-B14F-4D97-AF65-F5344CB8AC3E}">
+        <p14:creationId xmlns:p14="http://schemas.microsoft.com/office/powerpoint/2010/main" val="3507649216"/>
+      </p:ext>
+    </p:extLst>
+  </p:cSld>
+  <p:clrMapOvr>
+    <a:masterClrMapping/>
+  </p:clrMapOvr>
+  <p:timing>
+    <p:tnLst>
+      <p:par>
+        <p:cTn id="1" dur="indefinite" restart="never" nodeType="tmRoot"/>
+      </p:par>
+    </p:tnLst>
+  </p:timing>
+</p:sld>
+</file>
+
+<file path=ppt/slides/slide22.xml><?xml version="1.0" encoding="utf-8"?>
+<p:sld xmlns:a="http://schemas.openxmlformats.org/drawingml/2006/main" xmlns:r="http://schemas.openxmlformats.org/officeDocument/2006/relationships" xmlns:p="http://schemas.openxmlformats.org/presentationml/2006/main">
+  <p:cSld>
+    <p:spTree>
+      <p:nvGrpSpPr>
+        <p:cNvPr id="1" name=""/>
+        <p:cNvGrpSpPr/>
+        <p:nvPr/>
+      </p:nvGrpSpPr>
+      <p:grpSpPr>
+        <a:xfrm>
+          <a:off x="0" y="0"/>
+          <a:ext cx="0" cy="0"/>
+          <a:chOff x="0" y="0"/>
+          <a:chExt cx="0" cy="0"/>
+        </a:xfrm>
+      </p:grpSpPr>
+      <p:sp>
+        <p:nvSpPr>
+          <p:cNvPr id="2" name="Title 1"/>
+          <p:cNvSpPr>
+            <a:spLocks noGrp="1"/>
+          </p:cNvSpPr>
+          <p:nvPr>
+            <p:ph type="title"/>
+          </p:nvPr>
+        </p:nvSpPr>
+        <p:spPr/>
+        <p:txBody>
+          <a:bodyPr/>
+          <a:lstStyle/>
+          <a:p>
+            <a:r>
+              <a:rPr lang="en-US" dirty="0" smtClean="0"/>
+              <a:t>I have a Collider, Now </a:t>
+            </a:r>
+            <a:r>
+              <a:rPr lang="en-US" dirty="0"/>
+              <a:t>W</a:t>
+            </a:r>
+            <a:r>
+              <a:rPr lang="en-US" dirty="0" smtClean="0"/>
+              <a:t>hat?</a:t>
+            </a:r>
+            <a:endParaRPr lang="en-US" dirty="0"/>
+          </a:p>
+        </p:txBody>
+      </p:sp>
+      <p:sp>
+        <p:nvSpPr>
+          <p:cNvPr id="3" name="Text Placeholder 2"/>
+          <p:cNvSpPr>
+            <a:spLocks noGrp="1"/>
+          </p:cNvSpPr>
+          <p:nvPr>
+            <p:ph type="body" idx="1"/>
+          </p:nvPr>
+        </p:nvSpPr>
+        <p:spPr/>
+        <p:txBody>
+          <a:bodyPr>
+            <a:noAutofit/>
+          </a:bodyPr>
+          <a:lstStyle/>
+          <a:p>
+            <a:pPr marL="203200" indent="0">
+              <a:buNone/>
+            </a:pPr>
+            <a:r>
+              <a:rPr lang="en-US" sz="2000" b="1" dirty="0" smtClean="0">
+                <a:latin typeface="+mn-lt"/>
+                <a:cs typeface="Courier New" panose="02070309020205020404" pitchFamily="49" charset="0"/>
+              </a:rPr>
+              <a:t>Both the Trigger and Collision Methods have a collider that is passed to it when the method is called. </a:t>
+            </a:r>
+          </a:p>
+          <a:p>
+            <a:pPr marL="203200" indent="0">
+              <a:buNone/>
+            </a:pPr>
+            <a:endParaRPr lang="en-US" sz="2000" b="1" dirty="0" smtClean="0">
+              <a:latin typeface="+mn-lt"/>
+              <a:cs typeface="Courier New" panose="02070309020205020404" pitchFamily="49" charset="0"/>
+            </a:endParaRPr>
+          </a:p>
+          <a:p>
+            <a:pPr marL="203200" indent="0">
+              <a:buNone/>
+            </a:pPr>
+            <a:r>
+              <a:rPr lang="en-US" sz="2000" b="1" dirty="0" smtClean="0">
+                <a:latin typeface="+mn-lt"/>
+                <a:cs typeface="Courier New" panose="02070309020205020404" pitchFamily="49" charset="0"/>
+              </a:rPr>
+              <a:t>There’s </a:t>
+            </a:r>
+            <a:r>
+              <a:rPr lang="en-US" sz="2000" b="1" dirty="0" smtClean="0">
+                <a:latin typeface="+mn-lt"/>
+                <a:cs typeface="Courier New" panose="02070309020205020404" pitchFamily="49" charset="0"/>
+              </a:rPr>
+              <a:t>some functionality </a:t>
+            </a:r>
+            <a:r>
+              <a:rPr lang="en-US" sz="2000" b="1" dirty="0" smtClean="0">
+                <a:latin typeface="+mn-lt"/>
+                <a:cs typeface="Courier New" panose="02070309020205020404" pitchFamily="49" charset="0"/>
+              </a:rPr>
+              <a:t>already provided. If you need to anything more, you will need to use </a:t>
+            </a:r>
+            <a:r>
+              <a:rPr lang="en-US" sz="2000" b="1" dirty="0" smtClean="0">
+                <a:latin typeface="+mn-lt"/>
+                <a:cs typeface="Courier New" panose="02070309020205020404" pitchFamily="49" charset="0"/>
+              </a:rPr>
+              <a:t>the </a:t>
+            </a:r>
+            <a:r>
+              <a:rPr lang="en-US" sz="2000" b="1" i="1" dirty="0" err="1" smtClean="0">
+                <a:latin typeface="+mn-lt"/>
+                <a:cs typeface="Courier New" panose="02070309020205020404" pitchFamily="49" charset="0"/>
+              </a:rPr>
+              <a:t>gameObject</a:t>
+            </a:r>
+            <a:r>
+              <a:rPr lang="en-US" sz="2000" b="1" i="1" dirty="0" smtClean="0">
+                <a:latin typeface="+mn-lt"/>
+                <a:cs typeface="Courier New" panose="02070309020205020404" pitchFamily="49" charset="0"/>
+              </a:rPr>
+              <a:t> </a:t>
+            </a:r>
+            <a:r>
+              <a:rPr lang="en-US" sz="2000" b="1" i="1" dirty="0" smtClean="0">
+                <a:latin typeface="+mn-lt"/>
+                <a:cs typeface="Courier New" panose="02070309020205020404" pitchFamily="49" charset="0"/>
+              </a:rPr>
+              <a:t>reference. </a:t>
+            </a:r>
+            <a:endParaRPr lang="en-US" sz="2000" b="1" i="1" dirty="0" smtClean="0">
+              <a:latin typeface="+mn-lt"/>
+              <a:cs typeface="Courier New" panose="02070309020205020404" pitchFamily="49" charset="0"/>
+            </a:endParaRPr>
+          </a:p>
+          <a:p>
+            <a:pPr marL="203200" indent="0">
+              <a:buNone/>
+            </a:pPr>
+            <a:r>
+              <a:rPr lang="en-US" sz="1600" b="1" i="1" dirty="0" smtClean="0">
+                <a:latin typeface="+mn-lt"/>
+                <a:cs typeface="Courier New" panose="02070309020205020404" pitchFamily="49" charset="0"/>
+              </a:rPr>
+              <a:t>Examples: </a:t>
+            </a:r>
+            <a:endParaRPr lang="en-US" sz="1600" b="1" i="1" dirty="0" smtClean="0">
+              <a:latin typeface="+mn-lt"/>
+              <a:cs typeface="Courier New" panose="02070309020205020404" pitchFamily="49" charset="0"/>
+            </a:endParaRPr>
+          </a:p>
+          <a:p>
+            <a:pPr marL="203200" indent="0">
+              <a:buNone/>
+            </a:pPr>
+            <a:r>
+              <a:rPr lang="en-US" sz="2000" b="1" i="1" dirty="0" smtClean="0">
+                <a:cs typeface="Courier New" panose="02070309020205020404" pitchFamily="49" charset="0"/>
+              </a:rPr>
+              <a:t>			</a:t>
+            </a:r>
+            <a:r>
+              <a:rPr lang="en-US" sz="2000" b="1" dirty="0" smtClean="0">
+                <a:latin typeface="Courier New" panose="02070309020205020404" pitchFamily="49" charset="0"/>
+                <a:cs typeface="Courier New" panose="02070309020205020404" pitchFamily="49" charset="0"/>
+              </a:rPr>
+              <a:t>other.gameObject.name</a:t>
+            </a:r>
+          </a:p>
+          <a:p>
+            <a:pPr marL="203200" indent="0">
+              <a:buNone/>
+            </a:pPr>
+            <a:r>
+              <a:rPr lang="en-US" sz="2000" b="1" dirty="0" smtClean="0">
+                <a:latin typeface="Courier New" panose="02070309020205020404" pitchFamily="49" charset="0"/>
+                <a:cs typeface="Courier New" panose="02070309020205020404" pitchFamily="49" charset="0"/>
+              </a:rPr>
+              <a:t>			</a:t>
+            </a:r>
+            <a:r>
+              <a:rPr lang="en-US" sz="2000" b="1" dirty="0" err="1" smtClean="0">
+                <a:latin typeface="Courier New" panose="02070309020205020404" pitchFamily="49" charset="0"/>
+                <a:cs typeface="Courier New" panose="02070309020205020404" pitchFamily="49" charset="0"/>
+              </a:rPr>
+              <a:t>other.gameObject.GetComponent</a:t>
+            </a:r>
+            <a:r>
+              <a:rPr lang="en-US" sz="2000" b="1" dirty="0" smtClean="0">
+                <a:latin typeface="Courier New" panose="02070309020205020404" pitchFamily="49" charset="0"/>
+                <a:cs typeface="Courier New" panose="02070309020205020404" pitchFamily="49" charset="0"/>
+              </a:rPr>
+              <a:t>&lt;</a:t>
+            </a:r>
+            <a:r>
+              <a:rPr lang="en-US" sz="2000" i="1" dirty="0" smtClean="0">
+                <a:latin typeface="Courier New" panose="02070309020205020404" pitchFamily="49" charset="0"/>
+                <a:cs typeface="Courier New" panose="02070309020205020404" pitchFamily="49" charset="0"/>
+              </a:rPr>
+              <a:t>type</a:t>
+            </a:r>
+            <a:r>
+              <a:rPr lang="en-US" sz="2000" b="1" dirty="0" smtClean="0">
+                <a:latin typeface="Courier New" panose="02070309020205020404" pitchFamily="49" charset="0"/>
+                <a:cs typeface="Courier New" panose="02070309020205020404" pitchFamily="49" charset="0"/>
+              </a:rPr>
+              <a:t>&gt;()</a:t>
+            </a:r>
+            <a:endParaRPr lang="en-US" sz="2000" b="1" dirty="0">
+              <a:latin typeface="Courier New" panose="02070309020205020404" pitchFamily="49" charset="0"/>
+              <a:cs typeface="Courier New" panose="02070309020205020404" pitchFamily="49" charset="0"/>
+            </a:endParaRPr>
+          </a:p>
+          <a:p>
+            <a:pPr marL="203200" indent="0">
+              <a:buNone/>
+            </a:pPr>
+            <a:endParaRPr lang="en-US" sz="2000" b="1" dirty="0" smtClean="0">
+              <a:latin typeface="Courier New" panose="02070309020205020404" pitchFamily="49" charset="0"/>
+              <a:cs typeface="Courier New" panose="02070309020205020404" pitchFamily="49" charset="0"/>
+            </a:endParaRPr>
+          </a:p>
+          <a:p>
+            <a:pPr marL="203200" indent="0">
+              <a:buNone/>
+            </a:pPr>
+            <a:endParaRPr lang="en-US" sz="2000" dirty="0" smtClean="0">
+              <a:latin typeface="+mn-lt"/>
+              <a:cs typeface="Courier New" panose="02070309020205020404" pitchFamily="49" charset="0"/>
+            </a:endParaRPr>
+          </a:p>
+          <a:p>
+            <a:pPr marL="203200" indent="0">
+              <a:buNone/>
+            </a:pPr>
+            <a:endParaRPr lang="en-US" sz="2000" dirty="0">
+              <a:latin typeface="+mn-lt"/>
+              <a:cs typeface="Courier New" panose="02070309020205020404" pitchFamily="49" charset="0"/>
+            </a:endParaRPr>
+          </a:p>
+        </p:txBody>
+      </p:sp>
+      <p:sp>
+        <p:nvSpPr>
+          <p:cNvPr id="4" name="Text Placeholder 3"/>
+          <p:cNvSpPr>
+            <a:spLocks noGrp="1"/>
+          </p:cNvSpPr>
+          <p:nvPr>
+            <p:ph type="body" idx="2"/>
+          </p:nvPr>
+        </p:nvSpPr>
+        <p:spPr/>
+        <p:txBody>
+          <a:bodyPr/>
+          <a:lstStyle/>
+          <a:p>
+            <a:endParaRPr lang="en-US" dirty="0"/>
+          </a:p>
+        </p:txBody>
+      </p:sp>
+    </p:spTree>
+    <p:extLst>
+      <p:ext uri="{BB962C8B-B14F-4D97-AF65-F5344CB8AC3E}">
+        <p14:creationId xmlns:p14="http://schemas.microsoft.com/office/powerpoint/2010/main" val="704547762"/>
       </p:ext>
     </p:extLst>
   </p:cSld>
@@ -12665,7 +14022,7 @@
           <a:graphicData uri="http://schemas.openxmlformats.org/presentationml/2006/ole">
             <mc:AlternateContent xmlns:mc="http://schemas.openxmlformats.org/markup-compatibility/2006">
               <mc:Choice xmlns:v="urn:schemas-microsoft-com:vml" Requires="v">
-                <p:oleObj spid="_x0000_s1041" name="Image" r:id="rId3" imgW="5333040" imgH="2565000" progId="Photoshop.Image.18">
+                <p:oleObj spid="_x0000_s1051" name="Image" r:id="rId3" imgW="5333040" imgH="2565000" progId="Photoshop.Image.18">
                   <p:embed/>
                 </p:oleObj>
               </mc:Choice>
@@ -12722,7 +14079,7 @@
           <a:graphicData uri="http://schemas.openxmlformats.org/presentationml/2006/ole">
             <mc:AlternateContent xmlns:mc="http://schemas.openxmlformats.org/markup-compatibility/2006">
               <mc:Choice xmlns:v="urn:schemas-microsoft-com:vml" Requires="v">
-                <p:oleObj spid="_x0000_s1042" name="Image" r:id="rId5" imgW="5333040" imgH="1980720" progId="Photoshop.Image.18">
+                <p:oleObj spid="_x0000_s1052" name="Image" r:id="rId5" imgW="5333040" imgH="1980720" progId="Photoshop.Image.18">
                   <p:embed/>
                 </p:oleObj>
               </mc:Choice>
@@ -13355,14 +14712,7 @@
                 <a:latin typeface="+mn-lt"/>
                 <a:cs typeface="Courier New" panose="02070309020205020404" pitchFamily="49" charset="0"/>
               </a:rPr>
-              <a:t>.v</a:t>
-            </a:r>
-            <a:r>
-              <a:rPr lang="en-US" sz="2000" b="1" dirty="0" smtClean="0">
-                <a:latin typeface="+mn-lt"/>
-                <a:cs typeface="Courier New" panose="02070309020205020404" pitchFamily="49" charset="0"/>
-              </a:rPr>
-              <a:t>elocity (property)</a:t>
+              <a:t>.velocity (property)</a:t>
             </a:r>
           </a:p>
           <a:p>
@@ -13390,10 +14740,6 @@
               </a:rPr>
               <a:t> is attached to. </a:t>
             </a:r>
-            <a:endParaRPr lang="en-US" sz="2000" dirty="0" smtClean="0">
-              <a:latin typeface="+mn-lt"/>
-              <a:cs typeface="Courier New" panose="02070309020205020404" pitchFamily="49" charset="0"/>
-            </a:endParaRPr>
           </a:p>
           <a:p>
             <a:pPr marL="203200" indent="0">

--- a/LAB05/Lab5_Unity_Collision.pptx
+++ b/LAB05/Lab5_Unity_Collision.pptx
@@ -11486,7 +11486,7 @@
           <a:graphicData uri="http://schemas.openxmlformats.org/presentationml/2006/ole">
             <mc:AlternateContent xmlns:mc="http://schemas.openxmlformats.org/markup-compatibility/2006">
               <mc:Choice xmlns:v="urn:schemas-microsoft-com:vml" Requires="v">
-                <p:oleObj spid="_x0000_s2062" name="Image" r:id="rId3" imgW="5333040" imgH="1980720" progId="Photoshop.Image.18">
+                <p:oleObj spid="_x0000_s2064" name="Image" r:id="rId3" imgW="5333040" imgH="1980720" progId="Photoshop.Image.18">
                   <p:embed/>
                 </p:oleObj>
               </mc:Choice>
@@ -12021,7 +12021,7 @@
           <a:graphicData uri="http://schemas.openxmlformats.org/presentationml/2006/ole">
             <mc:AlternateContent xmlns:mc="http://schemas.openxmlformats.org/markup-compatibility/2006">
               <mc:Choice xmlns:v="urn:schemas-microsoft-com:vml" Requires="v">
-                <p:oleObj spid="_x0000_s3090" name="Image" r:id="rId3" imgW="5320440" imgH="1853640" progId="Photoshop.Image.18">
+                <p:oleObj spid="_x0000_s3092" name="Image" r:id="rId3" imgW="5320440" imgH="1853640" progId="Photoshop.Image.18">
                   <p:embed/>
                 </p:oleObj>
               </mc:Choice>
@@ -13197,28 +13197,28 @@
                 <a:latin typeface="+mn-lt"/>
                 <a:cs typeface="Courier New" panose="02070309020205020404" pitchFamily="49" charset="0"/>
               </a:rPr>
-              <a:t>There’s </a:t>
+              <a:t>There’s some functionality already provided. If you </a:t>
+            </a:r>
+            <a:r>
+              <a:rPr lang="en-US" sz="2000" b="1" smtClean="0">
+                <a:latin typeface="+mn-lt"/>
+                <a:cs typeface="Courier New" panose="02070309020205020404" pitchFamily="49" charset="0"/>
+              </a:rPr>
+              <a:t>need </a:t>
+            </a:r>
+            <a:r>
+              <a:rPr lang="en-US" sz="2000" b="1" smtClean="0">
+                <a:latin typeface="+mn-lt"/>
+                <a:cs typeface="Courier New" panose="02070309020205020404" pitchFamily="49" charset="0"/>
+              </a:rPr>
+              <a:t>to do </a:t>
             </a:r>
             <a:r>
               <a:rPr lang="en-US" sz="2000" b="1" dirty="0" smtClean="0">
                 <a:latin typeface="+mn-lt"/>
                 <a:cs typeface="Courier New" panose="02070309020205020404" pitchFamily="49" charset="0"/>
               </a:rPr>
-              <a:t>some functionality </a:t>
-            </a:r>
-            <a:r>
-              <a:rPr lang="en-US" sz="2000" b="1" dirty="0" smtClean="0">
-                <a:latin typeface="+mn-lt"/>
-                <a:cs typeface="Courier New" panose="02070309020205020404" pitchFamily="49" charset="0"/>
-              </a:rPr>
-              <a:t>already provided. If you need to anything more, you will need to use </a:t>
-            </a:r>
-            <a:r>
-              <a:rPr lang="en-US" sz="2000" b="1" dirty="0" smtClean="0">
-                <a:latin typeface="+mn-lt"/>
-                <a:cs typeface="Courier New" panose="02070309020205020404" pitchFamily="49" charset="0"/>
-              </a:rPr>
-              <a:t>the </a:t>
+              <a:t>anything more, you will need to use the </a:t>
             </a:r>
             <a:r>
               <a:rPr lang="en-US" sz="2000" b="1" i="1" dirty="0" err="1" smtClean="0">
@@ -13232,19 +13232,8 @@
                 <a:latin typeface="+mn-lt"/>
                 <a:cs typeface="Courier New" panose="02070309020205020404" pitchFamily="49" charset="0"/>
               </a:rPr>
-              <a:t> </a:t>
-            </a:r>
-            <a:r>
-              <a:rPr lang="en-US" sz="2000" b="1" i="1" dirty="0" smtClean="0">
-                <a:latin typeface="+mn-lt"/>
-                <a:cs typeface="Courier New" panose="02070309020205020404" pitchFamily="49" charset="0"/>
-              </a:rPr>
-              <a:t>reference. </a:t>
-            </a:r>
-            <a:endParaRPr lang="en-US" sz="2000" b="1" i="1" dirty="0" smtClean="0">
-              <a:latin typeface="+mn-lt"/>
-              <a:cs typeface="Courier New" panose="02070309020205020404" pitchFamily="49" charset="0"/>
-            </a:endParaRPr>
+              <a:t> reference. </a:t>
+            </a:r>
           </a:p>
           <a:p>
             <a:pPr marL="203200" indent="0">
@@ -13257,10 +13246,6 @@
               </a:rPr>
               <a:t>Examples: </a:t>
             </a:r>
-            <a:endParaRPr lang="en-US" sz="1600" b="1" i="1" dirty="0" smtClean="0">
-              <a:latin typeface="+mn-lt"/>
-              <a:cs typeface="Courier New" panose="02070309020205020404" pitchFamily="49" charset="0"/>
-            </a:endParaRPr>
           </a:p>
           <a:p>
             <a:pPr marL="203200" indent="0">
@@ -14022,7 +14007,7 @@
           <a:graphicData uri="http://schemas.openxmlformats.org/presentationml/2006/ole">
             <mc:AlternateContent xmlns:mc="http://schemas.openxmlformats.org/markup-compatibility/2006">
               <mc:Choice xmlns:v="urn:schemas-microsoft-com:vml" Requires="v">
-                <p:oleObj spid="_x0000_s1051" name="Image" r:id="rId3" imgW="5333040" imgH="2565000" progId="Photoshop.Image.18">
+                <p:oleObj spid="_x0000_s1054" name="Image" r:id="rId3" imgW="5333040" imgH="2565000" progId="Photoshop.Image.18">
                   <p:embed/>
                 </p:oleObj>
               </mc:Choice>
@@ -14045,63 +14030,6 @@
                       <a:xfrm>
                         <a:off x="667614" y="1327978"/>
                         <a:ext cx="7807185" cy="3756002"/>
-                      </a:xfrm>
-                      <a:prstGeom prst="rect">
-                        <a:avLst/>
-                      </a:prstGeom>
-                    </p:spPr>
-                  </p:pic>
-                </p:oleObj>
-              </mc:Fallback>
-            </mc:AlternateContent>
-          </a:graphicData>
-        </a:graphic>
-      </p:graphicFrame>
-      <p:graphicFrame>
-        <p:nvGraphicFramePr>
-          <p:cNvPr id="6" name="Object 5"/>
-          <p:cNvGraphicFramePr>
-            <a:graphicFrameLocks noChangeAspect="1"/>
-          </p:cNvGraphicFramePr>
-          <p:nvPr>
-            <p:extLst>
-              <p:ext uri="{D42A27DB-BD31-4B8C-83A1-F6EECF244321}">
-                <p14:modId xmlns:p14="http://schemas.microsoft.com/office/powerpoint/2010/main" val="1945611796"/>
-              </p:ext>
-            </p:extLst>
-          </p:nvPr>
-        </p:nvGraphicFramePr>
-        <p:xfrm>
-          <a:off x="667614" y="2279747"/>
-          <a:ext cx="7807185" cy="2900675"/>
-        </p:xfrm>
-        <a:graphic>
-          <a:graphicData uri="http://schemas.openxmlformats.org/presentationml/2006/ole">
-            <mc:AlternateContent xmlns:mc="http://schemas.openxmlformats.org/markup-compatibility/2006">
-              <mc:Choice xmlns:v="urn:schemas-microsoft-com:vml" Requires="v">
-                <p:oleObj spid="_x0000_s1052" name="Image" r:id="rId5" imgW="5333040" imgH="1980720" progId="Photoshop.Image.18">
-                  <p:embed/>
-                </p:oleObj>
-              </mc:Choice>
-              <mc:Fallback>
-                <p:oleObj name="Image" r:id="rId5" imgW="5333040" imgH="1980720" progId="Photoshop.Image.18">
-                  <p:embed/>
-                  <p:pic>
-                    <p:nvPicPr>
-                      <p:cNvPr id="0" name=""/>
-                      <p:cNvPicPr/>
-                      <p:nvPr/>
-                    </p:nvPicPr>
-                    <p:blipFill>
-                      <a:blip r:embed="rId6"/>
-                      <a:stretch>
-                        <a:fillRect/>
-                      </a:stretch>
-                    </p:blipFill>
-                    <p:spPr>
-                      <a:xfrm>
-                        <a:off x="667614" y="2279747"/>
-                        <a:ext cx="7807185" cy="2900675"/>
                       </a:xfrm>
                       <a:prstGeom prst="rect">
                         <a:avLst/>
